--- a/Lecture Slides/05-Design Reviews.pptx
+++ b/Lecture Slides/05-Design Reviews.pptx
@@ -200,7 +200,7 @@
           <a:p>
             <a:fld id="{6047C4F8-16F2-034F-B62C-E7DA00D65955}" type="datetimeFigureOut">
               <a:rPr lang="en-US" smtClean="0"/>
-              <a:t>4/18/17</a:t>
+              <a:t>4/20/17</a:t>
             </a:fld>
             <a:endParaRPr lang="en-US"/>
           </a:p>
@@ -731,7 +731,7 @@
           <a:p>
             <a:fld id="{D7CD8825-7C65-DE49-B151-1F6315860DA4}" type="datetimeFigureOut">
               <a:rPr lang="en-US" smtClean="0"/>
-              <a:t>4/18/17</a:t>
+              <a:t>4/20/17</a:t>
             </a:fld>
             <a:endParaRPr lang="en-US"/>
           </a:p>
@@ -901,7 +901,7 @@
           <a:p>
             <a:fld id="{D7CD8825-7C65-DE49-B151-1F6315860DA4}" type="datetimeFigureOut">
               <a:rPr lang="en-US" smtClean="0"/>
-              <a:t>4/18/17</a:t>
+              <a:t>4/20/17</a:t>
             </a:fld>
             <a:endParaRPr lang="en-US"/>
           </a:p>
@@ -1081,7 +1081,7 @@
           <a:p>
             <a:fld id="{D7CD8825-7C65-DE49-B151-1F6315860DA4}" type="datetimeFigureOut">
               <a:rPr lang="en-US" smtClean="0"/>
-              <a:t>4/18/17</a:t>
+              <a:t>4/20/17</a:t>
             </a:fld>
             <a:endParaRPr lang="en-US"/>
           </a:p>
@@ -1251,7 +1251,7 @@
           <a:p>
             <a:fld id="{D7CD8825-7C65-DE49-B151-1F6315860DA4}" type="datetimeFigureOut">
               <a:rPr lang="en-US" smtClean="0"/>
-              <a:t>4/18/17</a:t>
+              <a:t>4/20/17</a:t>
             </a:fld>
             <a:endParaRPr lang="en-US"/>
           </a:p>
@@ -1497,7 +1497,7 @@
           <a:p>
             <a:fld id="{D7CD8825-7C65-DE49-B151-1F6315860DA4}" type="datetimeFigureOut">
               <a:rPr lang="en-US" smtClean="0"/>
-              <a:t>4/18/17</a:t>
+              <a:t>4/20/17</a:t>
             </a:fld>
             <a:endParaRPr lang="en-US"/>
           </a:p>
@@ -1785,7 +1785,7 @@
           <a:p>
             <a:fld id="{D7CD8825-7C65-DE49-B151-1F6315860DA4}" type="datetimeFigureOut">
               <a:rPr lang="en-US" smtClean="0"/>
-              <a:t>4/18/17</a:t>
+              <a:t>4/20/17</a:t>
             </a:fld>
             <a:endParaRPr lang="en-US"/>
           </a:p>
@@ -2207,7 +2207,7 @@
           <a:p>
             <a:fld id="{D7CD8825-7C65-DE49-B151-1F6315860DA4}" type="datetimeFigureOut">
               <a:rPr lang="en-US" smtClean="0"/>
-              <a:t>4/18/17</a:t>
+              <a:t>4/20/17</a:t>
             </a:fld>
             <a:endParaRPr lang="en-US"/>
           </a:p>
@@ -2325,7 +2325,7 @@
           <a:p>
             <a:fld id="{D7CD8825-7C65-DE49-B151-1F6315860DA4}" type="datetimeFigureOut">
               <a:rPr lang="en-US" smtClean="0"/>
-              <a:t>4/18/17</a:t>
+              <a:t>4/20/17</a:t>
             </a:fld>
             <a:endParaRPr lang="en-US"/>
           </a:p>
@@ -2420,7 +2420,7 @@
           <a:p>
             <a:fld id="{D7CD8825-7C65-DE49-B151-1F6315860DA4}" type="datetimeFigureOut">
               <a:rPr lang="en-US" smtClean="0"/>
-              <a:t>4/18/17</a:t>
+              <a:t>4/20/17</a:t>
             </a:fld>
             <a:endParaRPr lang="en-US"/>
           </a:p>
@@ -2697,7 +2697,7 @@
           <a:p>
             <a:fld id="{D7CD8825-7C65-DE49-B151-1F6315860DA4}" type="datetimeFigureOut">
               <a:rPr lang="en-US" smtClean="0"/>
-              <a:t>4/18/17</a:t>
+              <a:t>4/20/17</a:t>
             </a:fld>
             <a:endParaRPr lang="en-US"/>
           </a:p>
@@ -2950,7 +2950,7 @@
           <a:p>
             <a:fld id="{D7CD8825-7C65-DE49-B151-1F6315860DA4}" type="datetimeFigureOut">
               <a:rPr lang="en-US" smtClean="0"/>
-              <a:t>4/18/17</a:t>
+              <a:t>4/20/17</a:t>
             </a:fld>
             <a:endParaRPr lang="en-US"/>
           </a:p>
@@ -3163,7 +3163,7 @@
           <a:p>
             <a:fld id="{D7CD8825-7C65-DE49-B151-1F6315860DA4}" type="datetimeFigureOut">
               <a:rPr lang="en-US" smtClean="0"/>
-              <a:t>4/18/17</a:t>
+              <a:t>4/20/17</a:t>
             </a:fld>
             <a:endParaRPr lang="en-US"/>
           </a:p>
@@ -3790,25 +3790,15 @@
           <a:p>
             <a:r>
               <a:rPr lang="en-US" dirty="0" smtClean="0"/>
-              <a:t>Every device in our library and every schematic will be </a:t>
-            </a:r>
-            <a:r>
-              <a:rPr lang="en-US" dirty="0" smtClean="0"/>
-              <a:t>reviewed by one other person</a:t>
-            </a:r>
-            <a:endParaRPr lang="en-US" dirty="0" smtClean="0"/>
+              <a:t>Every device in our library and every schematic will be reviewed by one other person</a:t>
+            </a:r>
           </a:p>
           <a:p>
             <a:pPr lvl="1"/>
             <a:r>
               <a:rPr lang="en-US" dirty="0" smtClean="0"/>
-              <a:t>Fill in </a:t>
-            </a:r>
-            <a:r>
-              <a:rPr lang="en-US" dirty="0" smtClean="0"/>
-              <a:t>REVIEWER attribute on the device</a:t>
-            </a:r>
-            <a:endParaRPr lang="en-US" dirty="0" smtClean="0"/>
+              <a:t>Fill in REVIEWER attribute on the device</a:t>
+            </a:r>
           </a:p>
           <a:p>
             <a:pPr lvl="1"/>
@@ -3828,15 +3818,7 @@
             </a:r>
             <a:r>
               <a:rPr lang="en-US" dirty="0" smtClean="0"/>
-              <a:t> to fly, you should </a:t>
-            </a:r>
-            <a:r>
-              <a:rPr lang="en-US" dirty="0" smtClean="0"/>
-              <a:t>review everything </a:t>
-            </a:r>
-            <a:r>
-              <a:rPr lang="en-US" dirty="0" smtClean="0"/>
-              <a:t>yourself.</a:t>
+              <a:t> to fly, you should review everything yourself.</a:t>
             </a:r>
           </a:p>
           <a:p>
@@ -3933,11 +3915,7 @@
             <a:pPr lvl="0"/>
             <a:r>
               <a:rPr lang="en-US" dirty="0" smtClean="0"/>
-              <a:t>Reviewers </a:t>
-            </a:r>
-            <a:r>
-              <a:rPr lang="en-US" dirty="0" smtClean="0"/>
-              <a:t>must be steadfast,</a:t>
+              <a:t>Reviewers must be steadfast,</a:t>
             </a:r>
             <a:r>
               <a:rPr lang="en-US" baseline="0" dirty="0" smtClean="0"/>
@@ -4038,11 +4016,7 @@
             </a:pPr>
             <a:r>
               <a:rPr lang="en-US" dirty="0" smtClean="0"/>
-              <a:t>You are all doing the same design, so there’s lots of expertise around</a:t>
-            </a:r>
-            <a:r>
-              <a:rPr lang="en-US" dirty="0" smtClean="0"/>
-              <a:t>.</a:t>
+              <a:t>You are all doing the same design, so there’s lots of expertise around.</a:t>
             </a:r>
           </a:p>
           <a:p>
@@ -4217,7 +4191,6 @@
               <a:rPr lang="en-US" dirty="0" smtClean="0"/>
               <a:t>In your case, this means you need to provide the other group with a PDF of the datasheet for your LEDs.</a:t>
             </a:r>
-            <a:endParaRPr lang="en-US" dirty="0" smtClean="0"/>
           </a:p>
         </p:txBody>
       </p:sp>
@@ -4320,11 +4293,6 @@
               </a:rPr>
               <a:t>or the LEDs you selected</a:t>
             </a:r>
-            <a:endParaRPr lang="en-US" dirty="0" smtClean="0">
-              <a:solidFill>
-                <a:srgbClr val="FF0000"/>
-              </a:solidFill>
-            </a:endParaRPr>
           </a:p>
           <a:p>
             <a:pPr lvl="1"/>
@@ -4500,11 +4468,15 @@
             </a:r>
             <a:r>
               <a:rPr lang="en-US" dirty="0" err="1" smtClean="0"/>
-              <a:t>tPlace</a:t>
-            </a:r>
-            <a:r>
-              <a:rPr lang="en-US" dirty="0" smtClean="0"/>
-              <a:t>?  It should be</a:t>
+              <a:t>tName</a:t>
+            </a:r>
+            <a:r>
+              <a:rPr lang="en-US" dirty="0" smtClean="0"/>
+              <a:t>?  </a:t>
+            </a:r>
+            <a:r>
+              <a:rPr lang="en-US" dirty="0" smtClean="0"/>
+              <a:t>It should be</a:t>
             </a:r>
           </a:p>
           <a:p>
@@ -4515,11 +4487,23 @@
             </a:r>
             <a:r>
               <a:rPr lang="en-US" dirty="0" err="1" smtClean="0"/>
-              <a:t>tPlace</a:t>
-            </a:r>
-            <a:r>
-              <a:rPr lang="en-US" dirty="0" smtClean="0"/>
-              <a:t>?  It shouldn’t be.</a:t>
+              <a:t>tValue</a:t>
+            </a:r>
+            <a:r>
+              <a:rPr lang="en-US" dirty="0" smtClean="0"/>
+              <a:t>?  </a:t>
+            </a:r>
+            <a:r>
+              <a:rPr lang="en-US" dirty="0" smtClean="0"/>
+              <a:t>It </a:t>
+            </a:r>
+            <a:r>
+              <a:rPr lang="en-US" dirty="0" smtClean="0"/>
+              <a:t>should </a:t>
+            </a:r>
+            <a:r>
+              <a:rPr lang="en-US" dirty="0" smtClean="0"/>
+              <a:t>be.</a:t>
             </a:r>
           </a:p>
           <a:p>
@@ -4530,15 +4514,15 @@
             </a:r>
             <a:r>
               <a:rPr lang="en-US" baseline="0" dirty="0" smtClean="0"/>
-              <a:t> all text in </a:t>
-            </a:r>
-            <a:r>
-              <a:rPr lang="en-US" baseline="0" dirty="0" err="1" smtClean="0"/>
-              <a:t>tPlace</a:t>
+              <a:t> all text </a:t>
             </a:r>
             <a:r>
               <a:rPr lang="en-US" baseline="0" dirty="0" smtClean="0"/>
-              <a:t> in the vector font?  None of the other fonts work.</a:t>
+              <a:t>in </a:t>
+            </a:r>
+            <a:r>
+              <a:rPr lang="en-US" baseline="0" dirty="0" smtClean="0"/>
+              <a:t>the vector font?  None of the other fonts work.</a:t>
             </a:r>
             <a:endParaRPr lang="en-US" dirty="0" smtClean="0"/>
           </a:p>
@@ -4560,11 +4544,15 @@
             </a:r>
             <a:r>
               <a:rPr lang="en-US" dirty="0" err="1" smtClean="0"/>
-              <a:t>tDocu</a:t>
-            </a:r>
-            <a:r>
-              <a:rPr lang="en-US" dirty="0" smtClean="0"/>
-              <a:t>? It should be.</a:t>
+              <a:t>tValue</a:t>
+            </a:r>
+            <a:r>
+              <a:rPr lang="en-US" dirty="0" smtClean="0"/>
+              <a:t>? </a:t>
+            </a:r>
+            <a:r>
+              <a:rPr lang="en-US" dirty="0" smtClean="0"/>
+              <a:t>It should be.</a:t>
             </a:r>
           </a:p>
           <a:p>
@@ -4691,11 +4679,7 @@
             </a:r>
             <a:r>
               <a:rPr lang="en-US" dirty="0" err="1" smtClean="0"/>
-              <a:t>,</a:t>
-            </a:r>
-            <a:r>
-              <a:rPr lang="en-US" dirty="0" err="1" smtClean="0"/>
-              <a:t>S</a:t>
+              <a:t>,S</a:t>
             </a:r>
             <a:endParaRPr lang="en-US" dirty="0" smtClean="0"/>
           </a:p>
@@ -4724,11 +4708,32 @@
               </a:rPr>
               <a:t>?</a:t>
             </a:r>
-            <a:endParaRPr lang="en-US" dirty="0" smtClean="0">
-              <a:solidFill>
-                <a:srgbClr val="FF0000"/>
-              </a:solidFill>
-            </a:endParaRPr>
+          </a:p>
+        </p:txBody>
+      </p:sp>
+      <p:sp>
+        <p:nvSpPr>
+          <p:cNvPr id="4" name="TextBox 3"/>
+          <p:cNvSpPr txBox="1"/>
+          <p:nvPr/>
+        </p:nvSpPr>
+        <p:spPr>
+          <a:xfrm>
+            <a:off x="9132120" y="2479680"/>
+            <a:ext cx="184666" cy="369332"/>
+          </a:xfrm>
+          <a:prstGeom prst="rect">
+            <a:avLst/>
+          </a:prstGeom>
+          <a:noFill/>
+        </p:spPr>
+        <p:txBody>
+          <a:bodyPr wrap="none" rtlCol="0">
+            <a:spAutoFit/>
+          </a:bodyPr>
+          <a:lstStyle/>
+          <a:p>
+            <a:endParaRPr lang="en-US" dirty="0"/>
           </a:p>
         </p:txBody>
       </p:sp>
@@ -5135,15 +5140,7 @@
             <a:pPr lvl="1"/>
             <a:r>
               <a:rPr lang="en-US" dirty="0" smtClean="0"/>
-              <a:t>Is the schematic </a:t>
-            </a:r>
-            <a:r>
-              <a:rPr lang="en-US" dirty="0" smtClean="0"/>
-              <a:t>laid </a:t>
-            </a:r>
-            <a:r>
-              <a:rPr lang="en-US" dirty="0" smtClean="0"/>
-              <a:t>out nicely?  Is it organized?</a:t>
+              <a:t>Is the schematic laid out nicely?  Is it organized?</a:t>
             </a:r>
           </a:p>
           <a:p>
@@ -5178,22 +5175,19 @@
             <a:pPr lvl="1"/>
             <a:r>
               <a:rPr lang="en-US" dirty="0" smtClean="0"/>
-              <a:t>Are all the grounds connected? Is there only one ground net?</a:t>
-            </a:r>
+              <a:t>Are all the grounds connected? Is there only one </a:t>
+            </a:r>
+            <a:r>
+              <a:rPr lang="en-US" dirty="0" smtClean="0"/>
+              <a:t>BAT_GND ground net and one GND net?</a:t>
+            </a:r>
+            <a:endParaRPr lang="en-US" dirty="0" smtClean="0"/>
           </a:p>
           <a:p>
             <a:pPr lvl="1"/>
             <a:r>
               <a:rPr lang="en-US" dirty="0" smtClean="0"/>
-              <a:t>Is </a:t>
-            </a:r>
-            <a:r>
-              <a:rPr lang="en-US" dirty="0" smtClean="0"/>
-              <a:t>each power pin attached to the right power supply</a:t>
-            </a:r>
-            <a:r>
-              <a:rPr lang="en-US" dirty="0" smtClean="0"/>
-              <a:t>?</a:t>
+              <a:t>Is each power pin attached to the right power supply?</a:t>
             </a:r>
           </a:p>
           <a:p>
@@ -5202,7 +5196,6 @@
               <a:rPr lang="en-US" dirty="0" smtClean="0"/>
               <a:t>Is each ground pin attached to right ground?</a:t>
             </a:r>
-            <a:endParaRPr lang="en-US" dirty="0" smtClean="0"/>
           </a:p>
           <a:p>
             <a:pPr lvl="1"/>
@@ -5221,11 +5214,6 @@
               </a:rPr>
               <a:t>Functionality</a:t>
             </a:r>
-            <a:endParaRPr lang="en-US" baseline="0" dirty="0" smtClean="0">
-              <a:solidFill>
-                <a:srgbClr val="FF0000"/>
-              </a:solidFill>
-            </a:endParaRPr>
           </a:p>
           <a:p>
             <a:pPr lvl="1"/>
@@ -5259,8 +5247,57 @@
                   <a:srgbClr val="FF0000"/>
                 </a:solidFill>
               </a:rPr>
-              <a:t>Have all the devices been through proper design reviews?</a:t>
-            </a:r>
+              <a:t>Have all the devices been through proper design reviews</a:t>
+            </a:r>
+            <a:r>
+              <a:rPr lang="en-US" dirty="0" smtClean="0">
+                <a:solidFill>
+                  <a:srgbClr val="FF0000"/>
+                </a:solidFill>
+              </a:rPr>
+              <a:t>?</a:t>
+            </a:r>
+          </a:p>
+          <a:p>
+            <a:r>
+              <a:rPr lang="en-US" dirty="0" smtClean="0">
+                <a:solidFill>
+                  <a:srgbClr val="FF0000"/>
+                </a:solidFill>
+              </a:rPr>
+              <a:t>Are the libraries in the schematic up to date?</a:t>
+            </a:r>
+          </a:p>
+          <a:p>
+            <a:r>
+              <a:rPr lang="en-US" dirty="0" smtClean="0">
+                <a:solidFill>
+                  <a:srgbClr val="FF0000"/>
+                </a:solidFill>
+              </a:rPr>
+              <a:t>Does it pass </a:t>
+            </a:r>
+            <a:r>
+              <a:rPr lang="en-US" dirty="0" err="1" smtClean="0">
+                <a:solidFill>
+                  <a:srgbClr val="FF0000"/>
+                </a:solidFill>
+              </a:rPr>
+              <a:t>eaglelint</a:t>
+            </a:r>
+            <a:r>
+              <a:rPr lang="en-US">
+                <a:solidFill>
+                  <a:srgbClr val="FF0000"/>
+                </a:solidFill>
+              </a:rPr>
+              <a:t>?</a:t>
+            </a:r>
+            <a:endParaRPr lang="en-US" dirty="0" smtClean="0">
+              <a:solidFill>
+                <a:srgbClr val="FF0000"/>
+              </a:solidFill>
+            </a:endParaRPr>
           </a:p>
         </p:txBody>
       </p:sp>

--- a/Lecture Slides/05-Design Reviews.pptx
+++ b/Lecture Slides/05-Design Reviews.pptx
@@ -5,7 +5,7 @@
     <p:sldMasterId id="2147483648" r:id="rId1"/>
   </p:sldMasterIdLst>
   <p:notesMasterIdLst>
-    <p:notesMasterId r:id="rId11"/>
+    <p:notesMasterId r:id="rId12"/>
   </p:notesMasterIdLst>
   <p:sldIdLst>
     <p:sldId id="330" r:id="rId2"/>
@@ -17,6 +17,7 @@
     <p:sldId id="336" r:id="rId8"/>
     <p:sldId id="337" r:id="rId9"/>
     <p:sldId id="338" r:id="rId10"/>
+    <p:sldId id="339" r:id="rId11"/>
   </p:sldIdLst>
   <p:sldSz cx="9144000" cy="6858000" type="screen4x3"/>
   <p:notesSz cx="6858000" cy="9144000"/>
@@ -115,6 +116,22 @@
       </a:defRPr>
     </a:lvl9pPr>
   </p:defaultTextStyle>
+  <p:extLst>
+    <p:ext uri="{EFAFB233-063F-42B5-8137-9DF3F51BA10A}">
+      <p15:sldGuideLst xmlns:p15="http://schemas.microsoft.com/office/powerpoint/2012/main">
+        <p15:guide id="1" orient="horz" pos="2160">
+          <p15:clr>
+            <a:srgbClr val="A4A3A4"/>
+          </p15:clr>
+        </p15:guide>
+        <p15:guide id="2" pos="2880">
+          <p15:clr>
+            <a:srgbClr val="A4A3A4"/>
+          </p15:clr>
+        </p15:guide>
+      </p15:sldGuideLst>
+    </p:ext>
+  </p:extLst>
 </p:presentation>
 </file>
 
@@ -200,7 +217,7 @@
           <a:p>
             <a:fld id="{6047C4F8-16F2-034F-B62C-E7DA00D65955}" type="datetimeFigureOut">
               <a:rPr lang="en-US" smtClean="0"/>
-              <a:t>4/20/17</a:t>
+              <a:t>4/19/18</a:t>
             </a:fld>
             <a:endParaRPr lang="en-US"/>
           </a:p>
@@ -264,35 +281,35 @@
           <a:p>
             <a:pPr lvl="0"/>
             <a:r>
-              <a:rPr lang="x-none" smtClean="0"/>
+              <a:rPr lang="x-none"/>
               <a:t>Click to edit Master text styles</a:t>
             </a:r>
           </a:p>
           <a:p>
             <a:pPr lvl="1"/>
             <a:r>
-              <a:rPr lang="x-none" smtClean="0"/>
+              <a:rPr lang="x-none"/>
               <a:t>Second level</a:t>
             </a:r>
           </a:p>
           <a:p>
             <a:pPr lvl="2"/>
             <a:r>
-              <a:rPr lang="x-none" smtClean="0"/>
+              <a:rPr lang="x-none"/>
               <a:t>Third level</a:t>
             </a:r>
           </a:p>
           <a:p>
             <a:pPr lvl="3"/>
             <a:r>
-              <a:rPr lang="x-none" smtClean="0"/>
+              <a:rPr lang="x-none"/>
               <a:t>Fourth level</a:t>
             </a:r>
           </a:p>
           <a:p>
             <a:pPr lvl="4"/>
             <a:r>
-              <a:rPr lang="x-none" smtClean="0"/>
+              <a:rPr lang="x-none"/>
               <a:t>Fifth level</a:t>
             </a:r>
             <a:endParaRPr lang="en-US"/>
@@ -510,7 +527,7 @@
         <p:spPr/>
         <p:txBody>
           <a:bodyPr>
-            <a:normAutofit lnSpcReduction="10000"/>
+            <a:normAutofit/>
           </a:bodyPr>
           <a:lstStyle/>
           <a:p>
@@ -588,7 +605,7 @@
           <a:lstStyle/>
           <a:p>
             <a:r>
-              <a:rPr lang="x-none" smtClean="0"/>
+              <a:rPr lang="x-none"/>
               <a:t>Click to edit Master title style</a:t>
             </a:r>
             <a:endParaRPr lang="en-US"/>
@@ -707,7 +724,7 @@
           </a:lstStyle>
           <a:p>
             <a:r>
-              <a:rPr lang="x-none" smtClean="0"/>
+              <a:rPr lang="x-none"/>
               <a:t>Click to edit Master subtitle style</a:t>
             </a:r>
             <a:endParaRPr lang="en-US"/>
@@ -731,7 +748,7 @@
           <a:p>
             <a:fld id="{D7CD8825-7C65-DE49-B151-1F6315860DA4}" type="datetimeFigureOut">
               <a:rPr lang="en-US" smtClean="0"/>
-              <a:t>4/20/17</a:t>
+              <a:t>4/19/18</a:t>
             </a:fld>
             <a:endParaRPr lang="en-US"/>
           </a:p>
@@ -825,7 +842,7 @@
           <a:lstStyle/>
           <a:p>
             <a:r>
-              <a:rPr lang="x-none" smtClean="0"/>
+              <a:rPr lang="x-none"/>
               <a:t>Click to edit Master title style</a:t>
             </a:r>
             <a:endParaRPr lang="en-US"/>
@@ -849,35 +866,35 @@
           <a:p>
             <a:pPr lvl="0"/>
             <a:r>
-              <a:rPr lang="x-none" smtClean="0"/>
+              <a:rPr lang="x-none"/>
               <a:t>Click to edit Master text styles</a:t>
             </a:r>
           </a:p>
           <a:p>
             <a:pPr lvl="1"/>
             <a:r>
-              <a:rPr lang="x-none" smtClean="0"/>
+              <a:rPr lang="x-none"/>
               <a:t>Second level</a:t>
             </a:r>
           </a:p>
           <a:p>
             <a:pPr lvl="2"/>
             <a:r>
-              <a:rPr lang="x-none" smtClean="0"/>
+              <a:rPr lang="x-none"/>
               <a:t>Third level</a:t>
             </a:r>
           </a:p>
           <a:p>
             <a:pPr lvl="3"/>
             <a:r>
-              <a:rPr lang="x-none" smtClean="0"/>
+              <a:rPr lang="x-none"/>
               <a:t>Fourth level</a:t>
             </a:r>
           </a:p>
           <a:p>
             <a:pPr lvl="4"/>
             <a:r>
-              <a:rPr lang="x-none" smtClean="0"/>
+              <a:rPr lang="x-none"/>
               <a:t>Fifth level</a:t>
             </a:r>
             <a:endParaRPr lang="en-US"/>
@@ -901,7 +918,7 @@
           <a:p>
             <a:fld id="{D7CD8825-7C65-DE49-B151-1F6315860DA4}" type="datetimeFigureOut">
               <a:rPr lang="en-US" smtClean="0"/>
-              <a:t>4/20/17</a:t>
+              <a:t>4/19/18</a:t>
             </a:fld>
             <a:endParaRPr lang="en-US"/>
           </a:p>
@@ -1000,7 +1017,7 @@
           <a:lstStyle/>
           <a:p>
             <a:r>
-              <a:rPr lang="x-none" smtClean="0"/>
+              <a:rPr lang="x-none"/>
               <a:t>Click to edit Master title style</a:t>
             </a:r>
             <a:endParaRPr lang="en-US"/>
@@ -1029,35 +1046,35 @@
           <a:p>
             <a:pPr lvl="0"/>
             <a:r>
-              <a:rPr lang="x-none" smtClean="0"/>
+              <a:rPr lang="x-none"/>
               <a:t>Click to edit Master text styles</a:t>
             </a:r>
           </a:p>
           <a:p>
             <a:pPr lvl="1"/>
             <a:r>
-              <a:rPr lang="x-none" smtClean="0"/>
+              <a:rPr lang="x-none"/>
               <a:t>Second level</a:t>
             </a:r>
           </a:p>
           <a:p>
             <a:pPr lvl="2"/>
             <a:r>
-              <a:rPr lang="x-none" smtClean="0"/>
+              <a:rPr lang="x-none"/>
               <a:t>Third level</a:t>
             </a:r>
           </a:p>
           <a:p>
             <a:pPr lvl="3"/>
             <a:r>
-              <a:rPr lang="x-none" smtClean="0"/>
+              <a:rPr lang="x-none"/>
               <a:t>Fourth level</a:t>
             </a:r>
           </a:p>
           <a:p>
             <a:pPr lvl="4"/>
             <a:r>
-              <a:rPr lang="x-none" smtClean="0"/>
+              <a:rPr lang="x-none"/>
               <a:t>Fifth level</a:t>
             </a:r>
             <a:endParaRPr lang="en-US"/>
@@ -1081,7 +1098,7 @@
           <a:p>
             <a:fld id="{D7CD8825-7C65-DE49-B151-1F6315860DA4}" type="datetimeFigureOut">
               <a:rPr lang="en-US" smtClean="0"/>
-              <a:t>4/20/17</a:t>
+              <a:t>4/19/18</a:t>
             </a:fld>
             <a:endParaRPr lang="en-US"/>
           </a:p>
@@ -1175,7 +1192,7 @@
           <a:lstStyle/>
           <a:p>
             <a:r>
-              <a:rPr lang="x-none" smtClean="0"/>
+              <a:rPr lang="x-none"/>
               <a:t>Click to edit Master title style</a:t>
             </a:r>
             <a:endParaRPr lang="en-US"/>
@@ -1199,35 +1216,35 @@
           <a:p>
             <a:pPr lvl="0"/>
             <a:r>
-              <a:rPr lang="x-none" smtClean="0"/>
+              <a:rPr lang="x-none"/>
               <a:t>Click to edit Master text styles</a:t>
             </a:r>
           </a:p>
           <a:p>
             <a:pPr lvl="1"/>
             <a:r>
-              <a:rPr lang="x-none" smtClean="0"/>
+              <a:rPr lang="x-none"/>
               <a:t>Second level</a:t>
             </a:r>
           </a:p>
           <a:p>
             <a:pPr lvl="2"/>
             <a:r>
-              <a:rPr lang="x-none" smtClean="0"/>
+              <a:rPr lang="x-none"/>
               <a:t>Third level</a:t>
             </a:r>
           </a:p>
           <a:p>
             <a:pPr lvl="3"/>
             <a:r>
-              <a:rPr lang="x-none" smtClean="0"/>
+              <a:rPr lang="x-none"/>
               <a:t>Fourth level</a:t>
             </a:r>
           </a:p>
           <a:p>
             <a:pPr lvl="4"/>
             <a:r>
-              <a:rPr lang="x-none" smtClean="0"/>
+              <a:rPr lang="x-none"/>
               <a:t>Fifth level</a:t>
             </a:r>
             <a:endParaRPr lang="en-US"/>
@@ -1251,7 +1268,7 @@
           <a:p>
             <a:fld id="{D7CD8825-7C65-DE49-B151-1F6315860DA4}" type="datetimeFigureOut">
               <a:rPr lang="en-US" smtClean="0"/>
-              <a:t>4/20/17</a:t>
+              <a:t>4/19/18</a:t>
             </a:fld>
             <a:endParaRPr lang="en-US"/>
           </a:p>
@@ -1354,7 +1371,7 @@
           </a:lstStyle>
           <a:p>
             <a:r>
-              <a:rPr lang="x-none" smtClean="0"/>
+              <a:rPr lang="x-none"/>
               <a:t>Click to edit Master title style</a:t>
             </a:r>
             <a:endParaRPr lang="en-US"/>
@@ -1474,7 +1491,7 @@
           <a:p>
             <a:pPr lvl="0"/>
             <a:r>
-              <a:rPr lang="x-none" smtClean="0"/>
+              <a:rPr lang="x-none"/>
               <a:t>Click to edit Master text styles</a:t>
             </a:r>
           </a:p>
@@ -1497,7 +1514,7 @@
           <a:p>
             <a:fld id="{D7CD8825-7C65-DE49-B151-1F6315860DA4}" type="datetimeFigureOut">
               <a:rPr lang="en-US" smtClean="0"/>
-              <a:t>4/20/17</a:t>
+              <a:t>4/19/18</a:t>
             </a:fld>
             <a:endParaRPr lang="en-US"/>
           </a:p>
@@ -1591,7 +1608,7 @@
           <a:lstStyle/>
           <a:p>
             <a:r>
-              <a:rPr lang="x-none" smtClean="0"/>
+              <a:rPr lang="x-none"/>
               <a:t>Click to edit Master title style</a:t>
             </a:r>
             <a:endParaRPr lang="en-US"/>
@@ -1648,35 +1665,35 @@
           <a:p>
             <a:pPr lvl="0"/>
             <a:r>
-              <a:rPr lang="x-none" smtClean="0"/>
+              <a:rPr lang="x-none"/>
               <a:t>Click to edit Master text styles</a:t>
             </a:r>
           </a:p>
           <a:p>
             <a:pPr lvl="1"/>
             <a:r>
-              <a:rPr lang="x-none" smtClean="0"/>
+              <a:rPr lang="x-none"/>
               <a:t>Second level</a:t>
             </a:r>
           </a:p>
           <a:p>
             <a:pPr lvl="2"/>
             <a:r>
-              <a:rPr lang="x-none" smtClean="0"/>
+              <a:rPr lang="x-none"/>
               <a:t>Third level</a:t>
             </a:r>
           </a:p>
           <a:p>
             <a:pPr lvl="3"/>
             <a:r>
-              <a:rPr lang="x-none" smtClean="0"/>
+              <a:rPr lang="x-none"/>
               <a:t>Fourth level</a:t>
             </a:r>
           </a:p>
           <a:p>
             <a:pPr lvl="4"/>
             <a:r>
-              <a:rPr lang="x-none" smtClean="0"/>
+              <a:rPr lang="x-none"/>
               <a:t>Fifth level</a:t>
             </a:r>
             <a:endParaRPr lang="en-US"/>
@@ -1733,35 +1750,35 @@
           <a:p>
             <a:pPr lvl="0"/>
             <a:r>
-              <a:rPr lang="x-none" smtClean="0"/>
+              <a:rPr lang="x-none"/>
               <a:t>Click to edit Master text styles</a:t>
             </a:r>
           </a:p>
           <a:p>
             <a:pPr lvl="1"/>
             <a:r>
-              <a:rPr lang="x-none" smtClean="0"/>
+              <a:rPr lang="x-none"/>
               <a:t>Second level</a:t>
             </a:r>
           </a:p>
           <a:p>
             <a:pPr lvl="2"/>
             <a:r>
-              <a:rPr lang="x-none" smtClean="0"/>
+              <a:rPr lang="x-none"/>
               <a:t>Third level</a:t>
             </a:r>
           </a:p>
           <a:p>
             <a:pPr lvl="3"/>
             <a:r>
-              <a:rPr lang="x-none" smtClean="0"/>
+              <a:rPr lang="x-none"/>
               <a:t>Fourth level</a:t>
             </a:r>
           </a:p>
           <a:p>
             <a:pPr lvl="4"/>
             <a:r>
-              <a:rPr lang="x-none" smtClean="0"/>
+              <a:rPr lang="x-none"/>
               <a:t>Fifth level</a:t>
             </a:r>
             <a:endParaRPr lang="en-US"/>
@@ -1785,7 +1802,7 @@
           <a:p>
             <a:fld id="{D7CD8825-7C65-DE49-B151-1F6315860DA4}" type="datetimeFigureOut">
               <a:rPr lang="en-US" smtClean="0"/>
-              <a:t>4/20/17</a:t>
+              <a:t>4/19/18</a:t>
             </a:fld>
             <a:endParaRPr lang="en-US"/>
           </a:p>
@@ -1883,7 +1900,7 @@
           </a:lstStyle>
           <a:p>
             <a:r>
-              <a:rPr lang="x-none" smtClean="0"/>
+              <a:rPr lang="x-none"/>
               <a:t>Click to edit Master title style</a:t>
             </a:r>
             <a:endParaRPr lang="en-US"/>
@@ -1949,7 +1966,7 @@
           <a:p>
             <a:pPr lvl="0"/>
             <a:r>
-              <a:rPr lang="x-none" smtClean="0"/>
+              <a:rPr lang="x-none"/>
               <a:t>Click to edit Master text styles</a:t>
             </a:r>
           </a:p>
@@ -2005,35 +2022,35 @@
           <a:p>
             <a:pPr lvl="0"/>
             <a:r>
-              <a:rPr lang="x-none" smtClean="0"/>
+              <a:rPr lang="x-none"/>
               <a:t>Click to edit Master text styles</a:t>
             </a:r>
           </a:p>
           <a:p>
             <a:pPr lvl="1"/>
             <a:r>
-              <a:rPr lang="x-none" smtClean="0"/>
+              <a:rPr lang="x-none"/>
               <a:t>Second level</a:t>
             </a:r>
           </a:p>
           <a:p>
             <a:pPr lvl="2"/>
             <a:r>
-              <a:rPr lang="x-none" smtClean="0"/>
+              <a:rPr lang="x-none"/>
               <a:t>Third level</a:t>
             </a:r>
           </a:p>
           <a:p>
             <a:pPr lvl="3"/>
             <a:r>
-              <a:rPr lang="x-none" smtClean="0"/>
+              <a:rPr lang="x-none"/>
               <a:t>Fourth level</a:t>
             </a:r>
           </a:p>
           <a:p>
             <a:pPr lvl="4"/>
             <a:r>
-              <a:rPr lang="x-none" smtClean="0"/>
+              <a:rPr lang="x-none"/>
               <a:t>Fifth level</a:t>
             </a:r>
             <a:endParaRPr lang="en-US"/>
@@ -2099,7 +2116,7 @@
           <a:p>
             <a:pPr lvl="0"/>
             <a:r>
-              <a:rPr lang="x-none" smtClean="0"/>
+              <a:rPr lang="x-none"/>
               <a:t>Click to edit Master text styles</a:t>
             </a:r>
           </a:p>
@@ -2155,35 +2172,35 @@
           <a:p>
             <a:pPr lvl="0"/>
             <a:r>
-              <a:rPr lang="x-none" smtClean="0"/>
+              <a:rPr lang="x-none"/>
               <a:t>Click to edit Master text styles</a:t>
             </a:r>
           </a:p>
           <a:p>
             <a:pPr lvl="1"/>
             <a:r>
-              <a:rPr lang="x-none" smtClean="0"/>
+              <a:rPr lang="x-none"/>
               <a:t>Second level</a:t>
             </a:r>
           </a:p>
           <a:p>
             <a:pPr lvl="2"/>
             <a:r>
-              <a:rPr lang="x-none" smtClean="0"/>
+              <a:rPr lang="x-none"/>
               <a:t>Third level</a:t>
             </a:r>
           </a:p>
           <a:p>
             <a:pPr lvl="3"/>
             <a:r>
-              <a:rPr lang="x-none" smtClean="0"/>
+              <a:rPr lang="x-none"/>
               <a:t>Fourth level</a:t>
             </a:r>
           </a:p>
           <a:p>
             <a:pPr lvl="4"/>
             <a:r>
-              <a:rPr lang="x-none" smtClean="0"/>
+              <a:rPr lang="x-none"/>
               <a:t>Fifth level</a:t>
             </a:r>
             <a:endParaRPr lang="en-US"/>
@@ -2207,7 +2224,7 @@
           <a:p>
             <a:fld id="{D7CD8825-7C65-DE49-B151-1F6315860DA4}" type="datetimeFigureOut">
               <a:rPr lang="en-US" smtClean="0"/>
-              <a:t>4/20/17</a:t>
+              <a:t>4/19/18</a:t>
             </a:fld>
             <a:endParaRPr lang="en-US"/>
           </a:p>
@@ -2301,7 +2318,7 @@
           <a:lstStyle/>
           <a:p>
             <a:r>
-              <a:rPr lang="x-none" smtClean="0"/>
+              <a:rPr lang="x-none"/>
               <a:t>Click to edit Master title style</a:t>
             </a:r>
             <a:endParaRPr lang="en-US"/>
@@ -2325,7 +2342,7 @@
           <a:p>
             <a:fld id="{D7CD8825-7C65-DE49-B151-1F6315860DA4}" type="datetimeFigureOut">
               <a:rPr lang="en-US" smtClean="0"/>
-              <a:t>4/20/17</a:t>
+              <a:t>4/19/18</a:t>
             </a:fld>
             <a:endParaRPr lang="en-US"/>
           </a:p>
@@ -2420,7 +2437,7 @@
           <a:p>
             <a:fld id="{D7CD8825-7C65-DE49-B151-1F6315860DA4}" type="datetimeFigureOut">
               <a:rPr lang="en-US" smtClean="0"/>
-              <a:t>4/20/17</a:t>
+              <a:t>4/19/18</a:t>
             </a:fld>
             <a:endParaRPr lang="en-US"/>
           </a:p>
@@ -2523,7 +2540,7 @@
           </a:lstStyle>
           <a:p>
             <a:r>
-              <a:rPr lang="x-none" smtClean="0"/>
+              <a:rPr lang="x-none"/>
               <a:t>Click to edit Master title style</a:t>
             </a:r>
             <a:endParaRPr lang="en-US"/>
@@ -2580,35 +2597,35 @@
           <a:p>
             <a:pPr lvl="0"/>
             <a:r>
-              <a:rPr lang="x-none" smtClean="0"/>
+              <a:rPr lang="x-none"/>
               <a:t>Click to edit Master text styles</a:t>
             </a:r>
           </a:p>
           <a:p>
             <a:pPr lvl="1"/>
             <a:r>
-              <a:rPr lang="x-none" smtClean="0"/>
+              <a:rPr lang="x-none"/>
               <a:t>Second level</a:t>
             </a:r>
           </a:p>
           <a:p>
             <a:pPr lvl="2"/>
             <a:r>
-              <a:rPr lang="x-none" smtClean="0"/>
+              <a:rPr lang="x-none"/>
               <a:t>Third level</a:t>
             </a:r>
           </a:p>
           <a:p>
             <a:pPr lvl="3"/>
             <a:r>
-              <a:rPr lang="x-none" smtClean="0"/>
+              <a:rPr lang="x-none"/>
               <a:t>Fourth level</a:t>
             </a:r>
           </a:p>
           <a:p>
             <a:pPr lvl="4"/>
             <a:r>
-              <a:rPr lang="x-none" smtClean="0"/>
+              <a:rPr lang="x-none"/>
               <a:t>Fifth level</a:t>
             </a:r>
             <a:endParaRPr lang="en-US"/>
@@ -2674,7 +2691,7 @@
           <a:p>
             <a:pPr lvl="0"/>
             <a:r>
-              <a:rPr lang="x-none" smtClean="0"/>
+              <a:rPr lang="x-none"/>
               <a:t>Click to edit Master text styles</a:t>
             </a:r>
           </a:p>
@@ -2697,7 +2714,7 @@
           <a:p>
             <a:fld id="{D7CD8825-7C65-DE49-B151-1F6315860DA4}" type="datetimeFigureOut">
               <a:rPr lang="en-US" smtClean="0"/>
-              <a:t>4/20/17</a:t>
+              <a:t>4/19/18</a:t>
             </a:fld>
             <a:endParaRPr lang="en-US"/>
           </a:p>
@@ -2800,7 +2817,7 @@
           </a:lstStyle>
           <a:p>
             <a:r>
-              <a:rPr lang="x-none" smtClean="0"/>
+              <a:rPr lang="x-none"/>
               <a:t>Click to edit Master title style</a:t>
             </a:r>
             <a:endParaRPr lang="en-US"/>
@@ -2927,7 +2944,7 @@
           <a:p>
             <a:pPr lvl="0"/>
             <a:r>
-              <a:rPr lang="x-none" smtClean="0"/>
+              <a:rPr lang="x-none"/>
               <a:t>Click to edit Master text styles</a:t>
             </a:r>
           </a:p>
@@ -2950,7 +2967,7 @@
           <a:p>
             <a:fld id="{D7CD8825-7C65-DE49-B151-1F6315860DA4}" type="datetimeFigureOut">
               <a:rPr lang="en-US" smtClean="0"/>
-              <a:t>4/20/17</a:t>
+              <a:t>4/19/18</a:t>
             </a:fld>
             <a:endParaRPr lang="en-US"/>
           </a:p>
@@ -3059,7 +3076,7 @@
           <a:lstStyle/>
           <a:p>
             <a:r>
-              <a:rPr lang="x-none" smtClean="0"/>
+              <a:rPr lang="x-none"/>
               <a:t>Click to edit Master title style</a:t>
             </a:r>
             <a:endParaRPr lang="en-US"/>
@@ -3093,35 +3110,35 @@
           <a:p>
             <a:pPr lvl="0"/>
             <a:r>
-              <a:rPr lang="x-none" smtClean="0"/>
+              <a:rPr lang="x-none"/>
               <a:t>Click to edit Master text styles</a:t>
             </a:r>
           </a:p>
           <a:p>
             <a:pPr lvl="1"/>
             <a:r>
-              <a:rPr lang="x-none" smtClean="0"/>
+              <a:rPr lang="x-none"/>
               <a:t>Second level</a:t>
             </a:r>
           </a:p>
           <a:p>
             <a:pPr lvl="2"/>
             <a:r>
-              <a:rPr lang="x-none" smtClean="0"/>
+              <a:rPr lang="x-none"/>
               <a:t>Third level</a:t>
             </a:r>
           </a:p>
           <a:p>
             <a:pPr lvl="3"/>
             <a:r>
-              <a:rPr lang="x-none" smtClean="0"/>
+              <a:rPr lang="x-none"/>
               <a:t>Fourth level</a:t>
             </a:r>
           </a:p>
           <a:p>
             <a:pPr lvl="4"/>
             <a:r>
-              <a:rPr lang="x-none" smtClean="0"/>
+              <a:rPr lang="x-none"/>
               <a:t>Fifth level</a:t>
             </a:r>
             <a:endParaRPr lang="en-US"/>
@@ -3163,7 +3180,7 @@
           <a:p>
             <a:fld id="{D7CD8825-7C65-DE49-B151-1F6315860DA4}" type="datetimeFigureOut">
               <a:rPr lang="en-US" smtClean="0"/>
-              <a:t>4/20/17</a:t>
+              <a:t>4/19/18</a:t>
             </a:fld>
             <a:endParaRPr lang="en-US"/>
           </a:p>
@@ -3554,14 +3571,13 @@
           <a:lstStyle/>
           <a:p>
             <a:r>
-              <a:rPr lang="en-US" smtClean="0"/>
+              <a:rPr lang="en-US"/>
               <a:t>Schematic Design </a:t>
             </a:r>
             <a:r>
-              <a:rPr lang="en-US" dirty="0" smtClean="0"/>
+              <a:rPr lang="en-US" dirty="0"/>
               <a:t>Reviews</a:t>
             </a:r>
-            <a:endParaRPr lang="en-US" dirty="0"/>
           </a:p>
         </p:txBody>
       </p:sp>
@@ -3594,21 +3610,123 @@
   <p:clrMapOvr>
     <a:masterClrMapping/>
   </p:clrMapOvr>
-  <mc:AlternateContent xmlns:mc="http://schemas.openxmlformats.org/markup-compatibility/2006" xmlns:p14="http://schemas.microsoft.com/office/powerpoint/2010/main">
-    <mc:Choice Requires="p14">
-      <p:transition spd="slow" p14:dur="2000"/>
-    </mc:Choice>
-    <mc:Fallback xmlns="">
-      <p:transition xmlns:p14="http://schemas.microsoft.com/office/powerpoint/2010/main" spd="slow"/>
-    </mc:Fallback>
-  </mc:AlternateContent>
-  <p:timing>
-    <p:tnLst>
-      <p:par>
-        <p:cTn xmlns:p14="http://schemas.microsoft.com/office/powerpoint/2010/main" id="1" dur="indefinite" restart="never" nodeType="tmRoot"/>
-      </p:par>
-    </p:tnLst>
-  </p:timing>
+</p:sld>
+</file>
+
+<file path=ppt/slides/slide10.xml><?xml version="1.0" encoding="utf-8"?>
+<p:sld xmlns:a="http://schemas.openxmlformats.org/drawingml/2006/main" xmlns:r="http://schemas.openxmlformats.org/officeDocument/2006/relationships" xmlns:p="http://schemas.openxmlformats.org/presentationml/2006/main">
+  <p:cSld>
+    <p:spTree>
+      <p:nvGrpSpPr>
+        <p:cNvPr id="1" name=""/>
+        <p:cNvGrpSpPr/>
+        <p:nvPr/>
+      </p:nvGrpSpPr>
+      <p:grpSpPr>
+        <a:xfrm>
+          <a:off x="0" y="0"/>
+          <a:ext cx="0" cy="0"/>
+          <a:chOff x="0" y="0"/>
+          <a:chExt cx="0" cy="0"/>
+        </a:xfrm>
+      </p:grpSpPr>
+      <p:sp>
+        <p:nvSpPr>
+          <p:cNvPr id="2" name="Title 1">
+            <a:extLst>
+              <a:ext uri="{FF2B5EF4-FFF2-40B4-BE49-F238E27FC236}">
+                <a16:creationId xmlns:a16="http://schemas.microsoft.com/office/drawing/2014/main" id="{81F0CD78-25AC-5143-94C0-612767F2160C}"/>
+              </a:ext>
+            </a:extLst>
+          </p:cNvPr>
+          <p:cNvSpPr>
+            <a:spLocks noGrp="1"/>
+          </p:cNvSpPr>
+          <p:nvPr>
+            <p:ph type="title"/>
+          </p:nvPr>
+        </p:nvSpPr>
+        <p:spPr/>
+        <p:txBody>
+          <a:bodyPr/>
+          <a:lstStyle/>
+          <a:p>
+            <a:r>
+              <a:rPr lang="en-US" dirty="0"/>
+              <a:t>Grading</a:t>
+            </a:r>
+          </a:p>
+        </p:txBody>
+      </p:sp>
+      <p:sp>
+        <p:nvSpPr>
+          <p:cNvPr id="3" name="Content Placeholder 2">
+            <a:extLst>
+              <a:ext uri="{FF2B5EF4-FFF2-40B4-BE49-F238E27FC236}">
+                <a16:creationId xmlns:a16="http://schemas.microsoft.com/office/drawing/2014/main" id="{4B663A79-B40B-C242-A4CF-4BB059D8E657}"/>
+              </a:ext>
+            </a:extLst>
+          </p:cNvPr>
+          <p:cNvSpPr>
+            <a:spLocks noGrp="1"/>
+          </p:cNvSpPr>
+          <p:nvPr>
+            <p:ph idx="1"/>
+          </p:nvPr>
+        </p:nvSpPr>
+        <p:spPr/>
+        <p:txBody>
+          <a:bodyPr/>
+          <a:lstStyle/>
+          <a:p>
+            <a:r>
+              <a:rPr lang="en-US" dirty="0"/>
+              <a:t>10 points possible for the reviewers</a:t>
+            </a:r>
+          </a:p>
+          <a:p>
+            <a:pPr lvl="1"/>
+            <a:r>
+              <a:rPr lang="en-US" dirty="0"/>
+              <a:t>You have four days to do the review.</a:t>
+            </a:r>
+          </a:p>
+          <a:p>
+            <a:pPr lvl="1"/>
+            <a:r>
+              <a:rPr lang="en-US" dirty="0"/>
+              <a:t>2 points off for each day late (don’t keep the other team waiting).</a:t>
+            </a:r>
+          </a:p>
+          <a:p>
+            <a:r>
+              <a:rPr lang="en-US" dirty="0"/>
+              <a:t>1 point off for each error you don’t find.</a:t>
+            </a:r>
+          </a:p>
+          <a:p>
+            <a:pPr lvl="1"/>
+            <a:r>
+              <a:rPr lang="en-US" dirty="0"/>
+              <a:t>If we find a bug later that you should have caught, you </a:t>
+            </a:r>
+            <a:r>
+              <a:rPr lang="en-US"/>
+              <a:t>are responsible.</a:t>
+            </a:r>
+          </a:p>
+        </p:txBody>
+      </p:sp>
+    </p:spTree>
+    <p:extLst>
+      <p:ext uri="{BB962C8B-B14F-4D97-AF65-F5344CB8AC3E}">
+        <p14:creationId xmlns:p14="http://schemas.microsoft.com/office/powerpoint/2010/main" val="2271905135"/>
+      </p:ext>
+    </p:extLst>
+  </p:cSld>
+  <p:clrMapOvr>
+    <a:masterClrMapping/>
+  </p:clrMapOvr>
 </p:sld>
 </file>
 
@@ -3645,10 +3763,9 @@
           <a:lstStyle/>
           <a:p>
             <a:r>
-              <a:rPr lang="en-US" dirty="0" smtClean="0"/>
+              <a:rPr lang="en-US" dirty="0"/>
               <a:t>Attention to Detail</a:t>
             </a:r>
-            <a:endParaRPr lang="en-US" dirty="0"/>
           </a:p>
         </p:txBody>
       </p:sp>
@@ -3670,44 +3787,43 @@
           <a:lstStyle/>
           <a:p>
             <a:r>
-              <a:rPr lang="en-US" dirty="0" smtClean="0"/>
+              <a:rPr lang="en-US" dirty="0"/>
               <a:t>Getting a PCB to work means getting nothing wrong</a:t>
             </a:r>
           </a:p>
           <a:p>
             <a:r>
-              <a:rPr lang="en-US" dirty="0" smtClean="0"/>
+              <a:rPr lang="en-US" dirty="0"/>
               <a:t>You won’t have time for a </a:t>
             </a:r>
             <a:r>
-              <a:rPr lang="en-US" dirty="0" err="1" smtClean="0"/>
+              <a:rPr lang="en-US" dirty="0" err="1"/>
               <a:t>respin</a:t>
             </a:r>
             <a:r>
-              <a:rPr lang="en-US" dirty="0" smtClean="0"/>
+              <a:rPr lang="en-US" dirty="0"/>
               <a:t>, so we get one shot</a:t>
             </a:r>
           </a:p>
           <a:p>
             <a:r>
-              <a:rPr lang="en-US" dirty="0" smtClean="0"/>
+              <a:rPr lang="en-US" dirty="0"/>
               <a:t>You have to get everything right if we want to end up with a flying quad copter.</a:t>
             </a:r>
           </a:p>
           <a:p>
             <a:r>
-              <a:rPr lang="en-US" dirty="0" smtClean="0"/>
+              <a:rPr lang="en-US" dirty="0"/>
               <a:t>It’s called </a:t>
             </a:r>
             <a:r>
-              <a:rPr lang="en-US" i="1" dirty="0" smtClean="0"/>
+              <a:rPr lang="en-US" i="1" dirty="0"/>
               <a:t>hard</a:t>
             </a:r>
             <a:r>
-              <a:rPr lang="en-US" dirty="0" smtClean="0"/>
+              <a:rPr lang="en-US" dirty="0"/>
               <a:t>ware for a reason.</a:t>
             </a:r>
-            <a:endParaRPr lang="en-US" dirty="0"/>
           </a:p>
         </p:txBody>
       </p:sp>
@@ -3721,13 +3837,6 @@
   <p:clrMapOvr>
     <a:masterClrMapping/>
   </p:clrMapOvr>
-  <p:timing>
-    <p:tnLst>
-      <p:par>
-        <p:cTn xmlns:p14="http://schemas.microsoft.com/office/powerpoint/2010/main" id="1" dur="indefinite" restart="never" nodeType="tmRoot"/>
-      </p:par>
-    </p:tnLst>
-  </p:timing>
 </p:sld>
 </file>
 
@@ -3764,10 +3873,9 @@
           <a:lstStyle/>
           <a:p>
             <a:r>
-              <a:rPr lang="en-US" dirty="0" smtClean="0"/>
+              <a:rPr lang="en-US" dirty="0"/>
               <a:t>Design Review Process</a:t>
             </a:r>
-            <a:endParaRPr lang="en-US" dirty="0"/>
           </a:p>
         </p:txBody>
       </p:sp>
@@ -3789,47 +3897,47 @@
           <a:lstStyle/>
           <a:p>
             <a:r>
-              <a:rPr lang="en-US" dirty="0" smtClean="0"/>
+              <a:rPr lang="en-US" dirty="0"/>
               <a:t>Every device in our library and every schematic will be reviewed by one other person</a:t>
             </a:r>
           </a:p>
           <a:p>
             <a:pPr lvl="1"/>
             <a:r>
-              <a:rPr lang="en-US" dirty="0" smtClean="0"/>
+              <a:rPr lang="en-US" dirty="0"/>
               <a:t>Fill in REVIEWER attribute on the device</a:t>
             </a:r>
           </a:p>
           <a:p>
             <a:pPr lvl="1"/>
             <a:r>
-              <a:rPr lang="en-US" dirty="0" smtClean="0"/>
+              <a:rPr lang="en-US" dirty="0"/>
               <a:t>If you review a part, you are just as responsible for errors as the original designer.</a:t>
             </a:r>
           </a:p>
           <a:p>
             <a:r>
-              <a:rPr lang="en-US" dirty="0" smtClean="0"/>
+              <a:rPr lang="en-US" dirty="0"/>
               <a:t>If you really want your </a:t>
             </a:r>
             <a:r>
-              <a:rPr lang="en-US" dirty="0" err="1" smtClean="0"/>
+              <a:rPr lang="en-US" dirty="0" err="1"/>
               <a:t>quadcopter</a:t>
             </a:r>
             <a:r>
-              <a:rPr lang="en-US" dirty="0" smtClean="0"/>
+              <a:rPr lang="en-US" dirty="0"/>
               <a:t> to fly, you should review everything yourself.</a:t>
             </a:r>
           </a:p>
           <a:p>
             <a:r>
-              <a:rPr lang="en-US" dirty="0" smtClean="0"/>
+              <a:rPr lang="en-US" dirty="0"/>
               <a:t>Do not be afraid to call out problems.</a:t>
             </a:r>
           </a:p>
           <a:p>
             <a:r>
-              <a:rPr lang="en-US" dirty="0" smtClean="0"/>
+              <a:rPr lang="en-US" dirty="0"/>
               <a:t>Do not take problems that other people identify in your work personally.  They are helping you.</a:t>
             </a:r>
           </a:p>
@@ -3845,13 +3953,6 @@
   <p:clrMapOvr>
     <a:masterClrMapping/>
   </p:clrMapOvr>
-  <p:timing>
-    <p:tnLst>
-      <p:par>
-        <p:cTn xmlns:p14="http://schemas.microsoft.com/office/powerpoint/2010/main" id="1" dur="indefinite" restart="never" nodeType="tmRoot"/>
-      </p:par>
-    </p:tnLst>
-  </p:timing>
 </p:sld>
 </file>
 
@@ -3888,10 +3989,9 @@
           <a:lstStyle/>
           <a:p>
             <a:r>
-              <a:rPr lang="en-US" dirty="0" smtClean="0"/>
+              <a:rPr lang="en-US" dirty="0"/>
               <a:t>Design Review Process (Cont.)</a:t>
             </a:r>
-            <a:endParaRPr lang="en-US" dirty="0"/>
           </a:p>
         </p:txBody>
       </p:sp>
@@ -3914,11 +4014,11 @@
           <a:p>
             <a:pPr lvl="0"/>
             <a:r>
-              <a:rPr lang="en-US" dirty="0" smtClean="0"/>
+              <a:rPr lang="en-US" dirty="0"/>
               <a:t>Reviewers must be steadfast,</a:t>
             </a:r>
             <a:r>
-              <a:rPr lang="en-US" baseline="0" dirty="0" smtClean="0"/>
+              <a:rPr lang="en-US" baseline="0" dirty="0"/>
               <a:t> picky, and demanding</a:t>
             </a:r>
           </a:p>
@@ -3941,7 +4041,7 @@
               <a:defRPr/>
             </a:pPr>
             <a:r>
-              <a:rPr lang="en-US" sz="2800" kern="1200" dirty="0" smtClean="0">
+              <a:rPr lang="en-US" sz="2800" kern="1200" dirty="0">
                 <a:solidFill>
                   <a:schemeClr val="tx1"/>
                 </a:solidFill>
@@ -3953,7 +4053,7 @@
               <a:t>Do</a:t>
             </a:r>
             <a:r>
-              <a:rPr lang="en-US" sz="2800" kern="1200" baseline="0" dirty="0" smtClean="0">
+              <a:rPr lang="en-US" sz="2800" kern="1200" baseline="0" dirty="0">
                 <a:solidFill>
                   <a:schemeClr val="tx1"/>
                 </a:solidFill>
@@ -3984,7 +4084,7 @@
               <a:defRPr/>
             </a:pPr>
             <a:r>
-              <a:rPr lang="en-US" sz="2800" kern="1200" baseline="0" dirty="0" smtClean="0">
+              <a:rPr lang="en-US" sz="2800" kern="1200" baseline="0" dirty="0">
                 <a:solidFill>
                   <a:schemeClr val="tx1"/>
                 </a:solidFill>
@@ -4015,7 +4115,7 @@
               <a:defRPr/>
             </a:pPr>
             <a:r>
-              <a:rPr lang="en-US" dirty="0" smtClean="0"/>
+              <a:rPr lang="en-US" dirty="0"/>
               <a:t>You are all doing the same design, so there’s lots of expertise around.</a:t>
             </a:r>
           </a:p>
@@ -4093,13 +4193,6 @@
   <p:clrMapOvr>
     <a:masterClrMapping/>
   </p:clrMapOvr>
-  <p:timing>
-    <p:tnLst>
-      <p:par>
-        <p:cTn xmlns:p14="http://schemas.microsoft.com/office/powerpoint/2010/main" id="1" dur="indefinite" restart="never" nodeType="tmRoot"/>
-      </p:par>
-    </p:tnLst>
-  </p:timing>
 </p:sld>
 </file>
 
@@ -4136,11 +4229,11 @@
           <a:lstStyle/>
           <a:p>
             <a:r>
-              <a:rPr lang="en-US" dirty="0" smtClean="0"/>
+              <a:rPr lang="en-US" dirty="0"/>
               <a:t>Design</a:t>
             </a:r>
             <a:r>
-              <a:rPr lang="en-US" baseline="0" dirty="0" smtClean="0"/>
+              <a:rPr lang="en-US" baseline="0" dirty="0"/>
               <a:t> Reviews for Devices</a:t>
             </a:r>
             <a:endParaRPr lang="en-US" dirty="0"/>
@@ -4165,31 +4258,38 @@
           <a:lstStyle/>
           <a:p>
             <a:r>
-              <a:rPr lang="en-US" dirty="0" smtClean="0"/>
+              <a:rPr lang="en-US" dirty="0"/>
               <a:t>Designing</a:t>
             </a:r>
             <a:r>
-              <a:rPr lang="en-US" baseline="0" dirty="0" smtClean="0"/>
+              <a:rPr lang="en-US" baseline="0" dirty="0"/>
               <a:t> packages, symbols, and devices is a well defined task, determining whether its correct is relatively easy.</a:t>
             </a:r>
-            <a:endParaRPr lang="en-US" dirty="0" smtClean="0"/>
-          </a:p>
-          <a:p>
-            <a:r>
-              <a:rPr lang="en-US" dirty="0" smtClean="0"/>
+            <a:endParaRPr lang="en-US" dirty="0"/>
+          </a:p>
+          <a:p>
+            <a:r>
+              <a:rPr lang="en-US" dirty="0"/>
               <a:t>The designer should provide all the</a:t>
             </a:r>
             <a:r>
-              <a:rPr lang="en-US" baseline="0" dirty="0" smtClean="0"/>
+              <a:rPr lang="en-US" baseline="0" dirty="0"/>
               <a:t> necessary materials</a:t>
             </a:r>
-            <a:endParaRPr lang="en-US" dirty="0" smtClean="0"/>
           </a:p>
           <a:p>
             <a:pPr lvl="1"/>
             <a:r>
-              <a:rPr lang="en-US" dirty="0" smtClean="0"/>
-              <a:t>In your case, this means you need to provide the other group with a PDF of the datasheet for your LEDs.</a:t>
+              <a:rPr lang="en-US" dirty="0"/>
+              <a:t>They should all be in your </a:t>
+            </a:r>
+            <a:r>
+              <a:rPr lang="en-US" dirty="0" err="1"/>
+              <a:t>github</a:t>
+            </a:r>
+            <a:r>
+              <a:rPr lang="en-US" dirty="0"/>
+              <a:t> repo.</a:t>
             </a:r>
           </a:p>
         </p:txBody>
@@ -4204,13 +4304,6 @@
   <p:clrMapOvr>
     <a:masterClrMapping/>
   </p:clrMapOvr>
-  <p:timing>
-    <p:tnLst>
-      <p:par>
-        <p:cTn xmlns:p14="http://schemas.microsoft.com/office/powerpoint/2010/main" id="1" dur="indefinite" restart="never" nodeType="tmRoot"/>
-      </p:par>
-    </p:tnLst>
-  </p:timing>
 </p:sld>
 </file>
 
@@ -4249,11 +4342,11 @@
           <a:lstStyle/>
           <a:p>
             <a:r>
-              <a:rPr lang="en-US" dirty="0" smtClean="0"/>
+              <a:rPr lang="en-US" dirty="0"/>
               <a:t>Design</a:t>
             </a:r>
             <a:r>
-              <a:rPr lang="en-US" baseline="0" dirty="0" smtClean="0"/>
+              <a:rPr lang="en-US" baseline="0" dirty="0"/>
               <a:t> Review Checklist for Packages/Devices/Symbols</a:t>
             </a:r>
             <a:endParaRPr lang="en-US" dirty="0"/>
@@ -4273,7 +4366,7 @@
         <p:spPr/>
         <p:txBody>
           <a:bodyPr numCol="2">
-            <a:normAutofit fontScale="47500" lnSpcReduction="20000"/>
+            <a:normAutofit fontScale="55000" lnSpcReduction="20000"/>
           </a:bodyPr>
           <a:lstStyle/>
           <a:p>
@@ -4283,49 +4376,41 @@
                   <a:srgbClr val="FF0000"/>
                 </a:solidFill>
               </a:rPr>
-              <a:t>F</a:t>
-            </a:r>
-            <a:r>
-              <a:rPr lang="en-US" dirty="0" smtClean="0">
-                <a:solidFill>
-                  <a:srgbClr val="FF0000"/>
-                </a:solidFill>
-              </a:rPr>
-              <a:t>or the LEDs you selected</a:t>
+              <a:t>For the LEDs you selected</a:t>
             </a:r>
           </a:p>
           <a:p>
             <a:pPr lvl="1"/>
             <a:r>
-              <a:rPr lang="en-US" dirty="0" smtClean="0"/>
+              <a:rPr lang="en-US" dirty="0"/>
               <a:t>Did the designer give you the correct data sheet?</a:t>
             </a:r>
           </a:p>
           <a:p>
             <a:pPr lvl="1"/>
             <a:r>
-              <a:rPr lang="en-US" dirty="0" smtClean="0"/>
+              <a:rPr lang="en-US" dirty="0"/>
               <a:t>Did they design for the right package?</a:t>
             </a:r>
           </a:p>
           <a:p>
             <a:pPr lvl="1"/>
             <a:r>
-              <a:rPr lang="en-US" dirty="0" smtClean="0"/>
+              <a:rPr lang="en-US" dirty="0"/>
               <a:t>Is the item available on </a:t>
             </a:r>
             <a:r>
-              <a:rPr lang="en-US" dirty="0" err="1" smtClean="0"/>
+              <a:rPr lang="en-US" dirty="0" err="1"/>
               <a:t>Digikey</a:t>
             </a:r>
             <a:r>
-              <a:rPr lang="en-US" dirty="0" smtClean="0"/>
+              <a:rPr lang="en-US" dirty="0"/>
               <a:t>?</a:t>
             </a:r>
           </a:p>
           <a:p>
             <a:r>
-              <a:rPr lang="en-US" dirty="0" smtClean="0">
+              <a:rPr lang="en-US" dirty="0">
                 <a:solidFill>
                   <a:srgbClr val="FF0000"/>
                 </a:solidFill>
@@ -4336,48 +4421,27 @@
           <a:p>
             <a:pPr lvl="1"/>
             <a:r>
-              <a:rPr lang="en-US" dirty="0" smtClean="0"/>
+              <a:rPr lang="en-US" dirty="0"/>
               <a:t>Pad dimensions for surface mount parts</a:t>
             </a:r>
           </a:p>
           <a:p>
             <a:pPr lvl="2"/>
             <a:r>
-              <a:rPr lang="en-US" dirty="0" smtClean="0"/>
+              <a:rPr lang="en-US" dirty="0"/>
               <a:t>Does the pad extend at least 1mm out from the side of the package, so its easy to solder?</a:t>
             </a:r>
           </a:p>
           <a:p>
             <a:pPr lvl="2"/>
             <a:r>
-              <a:rPr lang="en-US" dirty="0" smtClean="0"/>
+              <a:rPr lang="en-US" dirty="0"/>
               <a:t>Does it otherwise match the manufactures recommendations?</a:t>
             </a:r>
           </a:p>
           <a:p>
-            <a:pPr lvl="1"/>
-            <a:r>
-              <a:rPr lang="en-US" dirty="0" smtClean="0"/>
-              <a:t>Hole diameter for through-hole parts.</a:t>
-            </a:r>
-          </a:p>
-          <a:p>
-            <a:pPr lvl="2"/>
-            <a:r>
-              <a:rPr lang="en-US" dirty="0" smtClean="0"/>
-              <a:t>Bigger than the wire.</a:t>
-            </a:r>
-          </a:p>
-          <a:p>
-            <a:pPr lvl="2"/>
-            <a:r>
-              <a:rPr lang="en-US" dirty="0" smtClean="0"/>
-              <a:t>Plating will make it smaller.  Will it still be big enough?</a:t>
-            </a:r>
-          </a:p>
-          <a:p>
-            <a:r>
-              <a:rPr lang="en-US" dirty="0" smtClean="0">
+            <a:r>
+              <a:rPr lang="en-US" dirty="0">
                 <a:solidFill>
                   <a:srgbClr val="FF0000"/>
                 </a:solidFill>
@@ -4388,27 +4452,27 @@
           <a:p>
             <a:pPr lvl="1"/>
             <a:r>
-              <a:rPr lang="en-US" dirty="0" smtClean="0"/>
+              <a:rPr lang="en-US" dirty="0"/>
               <a:t>Do the pins in the schematic symbol map to the right physical pins?</a:t>
             </a:r>
           </a:p>
           <a:p>
             <a:pPr lvl="1"/>
             <a:r>
-              <a:rPr lang="en-US" dirty="0" smtClean="0"/>
+              <a:rPr lang="en-US" dirty="0"/>
               <a:t>Do the physical pins match what’s in the data sheet?</a:t>
             </a:r>
           </a:p>
           <a:p>
             <a:pPr lvl="1"/>
             <a:r>
-              <a:rPr lang="en-US" dirty="0" smtClean="0"/>
+              <a:rPr lang="en-US" dirty="0"/>
               <a:t>Are you sure you understand how the drawings in the data sheet are oriented?</a:t>
             </a:r>
           </a:p>
           <a:p>
             <a:r>
-              <a:rPr lang="en-US" dirty="0" smtClean="0">
+              <a:rPr lang="en-US" dirty="0">
                 <a:solidFill>
                   <a:srgbClr val="FF0000"/>
                 </a:solidFill>
@@ -4419,116 +4483,28 @@
           <a:p>
             <a:pPr lvl="1"/>
             <a:r>
-              <a:rPr lang="en-US" dirty="0" smtClean="0"/>
-              <a:t>Are all the silk screen element in layer </a:t>
-            </a:r>
-            <a:r>
-              <a:rPr lang="en-US" dirty="0" err="1" smtClean="0"/>
+              <a:rPr lang="en-US" dirty="0"/>
+              <a:t>Does the silk screen show how the device should be oriented?</a:t>
+            </a:r>
+          </a:p>
+          <a:p>
+            <a:pPr lvl="1"/>
+            <a:r>
+              <a:rPr lang="en-US" dirty="0"/>
+              <a:t>Does it include a part outline in </a:t>
+            </a:r>
+            <a:r>
+              <a:rPr lang="en-US" dirty="0" err="1"/>
               <a:t>tPlace</a:t>
             </a:r>
             <a:r>
-              <a:rPr lang="en-US" dirty="0" smtClean="0"/>
-              <a:t>?</a:t>
-            </a:r>
-          </a:p>
-          <a:p>
-            <a:pPr lvl="1"/>
-            <a:r>
-              <a:rPr lang="en-US" dirty="0" smtClean="0"/>
-              <a:t>Does the silk screen show how the device should be oriented?</a:t>
-            </a:r>
-          </a:p>
-          <a:p>
-            <a:pPr lvl="1"/>
-            <a:r>
-              <a:rPr lang="en-US" dirty="0" smtClean="0"/>
-              <a:t>Does it include a part outline in </a:t>
-            </a:r>
-            <a:r>
-              <a:rPr lang="en-US" dirty="0" err="1" smtClean="0"/>
-              <a:t>tPlace</a:t>
-            </a:r>
-            <a:r>
-              <a:rPr lang="en-US" dirty="0" smtClean="0"/>
+              <a:rPr lang="en-US" dirty="0"/>
               <a:t>?  It should.</a:t>
             </a:r>
           </a:p>
           <a:p>
-            <a:pPr lvl="1"/>
-            <a:r>
-              <a:rPr lang="en-US" dirty="0" smtClean="0"/>
-              <a:t>Do lines of the silkscreen cross pads?  They shouldn’t.</a:t>
-            </a:r>
-          </a:p>
-          <a:p>
-            <a:pPr lvl="1"/>
-            <a:r>
-              <a:rPr lang="en-US" dirty="0" smtClean="0"/>
-              <a:t>Is the Name attribute in </a:t>
-            </a:r>
-            <a:r>
-              <a:rPr lang="en-US" dirty="0" err="1" smtClean="0"/>
-              <a:t>tName</a:t>
-            </a:r>
-            <a:r>
-              <a:rPr lang="en-US" dirty="0" smtClean="0"/>
-              <a:t>?  </a:t>
-            </a:r>
-            <a:r>
-              <a:rPr lang="en-US" dirty="0" smtClean="0"/>
-              <a:t>It should be</a:t>
-            </a:r>
-          </a:p>
-          <a:p>
-            <a:pPr lvl="1"/>
-            <a:r>
-              <a:rPr lang="en-US" dirty="0" smtClean="0"/>
-              <a:t>Is the Value attribute in </a:t>
-            </a:r>
-            <a:r>
-              <a:rPr lang="en-US" dirty="0" err="1" smtClean="0"/>
-              <a:t>tValue</a:t>
-            </a:r>
-            <a:r>
-              <a:rPr lang="en-US" dirty="0" smtClean="0"/>
-              <a:t>?  </a:t>
-            </a:r>
-            <a:r>
-              <a:rPr lang="en-US" dirty="0" smtClean="0"/>
-              <a:t>It </a:t>
-            </a:r>
-            <a:r>
-              <a:rPr lang="en-US" dirty="0" smtClean="0"/>
-              <a:t>should </a:t>
-            </a:r>
-            <a:r>
-              <a:rPr lang="en-US" dirty="0" smtClean="0"/>
-              <a:t>be.</a:t>
-            </a:r>
-          </a:p>
-          <a:p>
-            <a:pPr lvl="1"/>
-            <a:r>
-              <a:rPr lang="en-US" dirty="0" smtClean="0"/>
-              <a:t>Is</a:t>
-            </a:r>
-            <a:r>
-              <a:rPr lang="en-US" baseline="0" dirty="0" smtClean="0"/>
-              <a:t> all text </a:t>
-            </a:r>
-            <a:r>
-              <a:rPr lang="en-US" baseline="0" dirty="0" smtClean="0"/>
-              <a:t>in </a:t>
-            </a:r>
-            <a:r>
-              <a:rPr lang="en-US" baseline="0" dirty="0" smtClean="0"/>
-              <a:t>the vector font?  None of the other fonts work.</a:t>
-            </a:r>
-            <a:endParaRPr lang="en-US" dirty="0" smtClean="0"/>
-          </a:p>
-          <a:p>
-            <a:r>
-              <a:rPr lang="en-US" dirty="0" smtClean="0">
+            <a:r>
+              <a:rPr lang="en-US" dirty="0">
                 <a:solidFill>
                   <a:srgbClr val="FF0000"/>
                 </a:solidFill>
@@ -4539,80 +4515,86 @@
           <a:p>
             <a:pPr lvl="1"/>
             <a:r>
-              <a:rPr lang="en-US" dirty="0" smtClean="0"/>
-              <a:t>Is the Value attribute in </a:t>
-            </a:r>
-            <a:r>
-              <a:rPr lang="en-US" dirty="0" err="1" smtClean="0"/>
-              <a:t>tValue</a:t>
-            </a:r>
-            <a:r>
-              <a:rPr lang="en-US" dirty="0" smtClean="0"/>
-              <a:t>? </a:t>
-            </a:r>
-            <a:r>
-              <a:rPr lang="en-US" dirty="0" smtClean="0"/>
-              <a:t>It should be.</a:t>
+              <a:rPr lang="en-US" dirty="0"/>
+              <a:t>Is there a bounding box in </a:t>
+            </a:r>
+            <a:r>
+              <a:rPr lang="en-US" dirty="0" err="1"/>
+              <a:t>tKeepout</a:t>
+            </a:r>
+            <a:r>
+              <a:rPr lang="en-US" dirty="0"/>
+              <a:t>?</a:t>
             </a:r>
           </a:p>
           <a:p>
             <a:pPr lvl="1"/>
             <a:r>
-              <a:rPr lang="en-US" dirty="0" smtClean="0"/>
-              <a:t>Is there a bounding box in </a:t>
-            </a:r>
-            <a:r>
-              <a:rPr lang="en-US" dirty="0" err="1" smtClean="0"/>
-              <a:t>tKeepout</a:t>
-            </a:r>
-            <a:r>
-              <a:rPr lang="en-US" dirty="0" smtClean="0"/>
-              <a:t>?</a:t>
+              <a:rPr lang="en-US" dirty="0"/>
+              <a:t>Did they set the prefix for the device?</a:t>
+            </a:r>
+          </a:p>
+          <a:p>
+            <a:pPr lvl="2"/>
+            <a:r>
+              <a:rPr lang="en-US" dirty="0"/>
+              <a:t>Resistors, R</a:t>
+            </a:r>
+          </a:p>
+          <a:p>
+            <a:pPr lvl="2"/>
+            <a:r>
+              <a:rPr lang="en-US" dirty="0"/>
+              <a:t>Capacitors, C</a:t>
+            </a:r>
+          </a:p>
+          <a:p>
+            <a:pPr lvl="2"/>
+            <a:r>
+              <a:rPr lang="en-US" dirty="0"/>
+              <a:t>Inductors, L</a:t>
+            </a:r>
+          </a:p>
+          <a:p>
+            <a:pPr lvl="2"/>
+            <a:r>
+              <a:rPr lang="en-US" dirty="0" err="1"/>
+              <a:t>Diodes,D</a:t>
             </a:r>
             <a:endParaRPr lang="en-US" dirty="0"/>
           </a:p>
           <a:p>
-            <a:pPr lvl="1"/>
-            <a:r>
-              <a:rPr lang="en-US" dirty="0" smtClean="0"/>
-              <a:t>Did they set the prefix for the device?</a:t>
-            </a:r>
-          </a:p>
-          <a:p>
             <a:pPr lvl="2"/>
             <a:r>
-              <a:rPr lang="en-US" dirty="0"/>
-              <a:t>Resistors, </a:t>
-            </a:r>
-            <a:r>
-              <a:rPr lang="en-US" dirty="0" smtClean="0"/>
-              <a:t>R</a:t>
+              <a:rPr lang="en-US" dirty="0" err="1"/>
+              <a:t>Transistors,Q</a:t>
             </a:r>
             <a:endParaRPr lang="en-US" dirty="0"/>
           </a:p>
           <a:p>
             <a:pPr lvl="2"/>
             <a:r>
-              <a:rPr lang="en-US" dirty="0"/>
-              <a:t>Capacitors, C</a:t>
-            </a:r>
+              <a:rPr lang="en-US" dirty="0" err="1"/>
+              <a:t>ICs,U</a:t>
+            </a:r>
+            <a:endParaRPr lang="en-US" dirty="0"/>
           </a:p>
           <a:p>
             <a:pPr lvl="2"/>
             <a:r>
               <a:rPr lang="en-US" dirty="0"/>
-              <a:t>Inductors, L</a:t>
+              <a:t>Header pins, J</a:t>
             </a:r>
           </a:p>
           <a:p>
             <a:pPr lvl="2"/>
             <a:r>
+              <a:rPr lang="en-US" dirty="0"/>
+              <a:t>Jacks &amp; </a:t>
+            </a:r>
+            <a:r>
               <a:rPr lang="en-US" dirty="0" err="1"/>
-              <a:t>Diodes</a:t>
-            </a:r>
-            <a:r>
-              <a:rPr lang="en-US" dirty="0" err="1" smtClean="0"/>
-              <a:t>,D</a:t>
+              <a:t>Plugs,J</a:t>
             </a:r>
             <a:endParaRPr lang="en-US" dirty="0"/>
           </a:p>
@@ -4620,94 +4602,9 @@
             <a:pPr lvl="2"/>
             <a:r>
               <a:rPr lang="en-US" dirty="0" err="1"/>
-              <a:t>Transistors</a:t>
-            </a:r>
-            <a:r>
-              <a:rPr lang="en-US" dirty="0" err="1" smtClean="0"/>
-              <a:t>,Q</a:t>
+              <a:t>Switches,S</a:t>
             </a:r>
             <a:endParaRPr lang="en-US" dirty="0"/>
-          </a:p>
-          <a:p>
-            <a:pPr lvl="2"/>
-            <a:r>
-              <a:rPr lang="en-US" dirty="0"/>
-              <a:t>ICs,	U</a:t>
-            </a:r>
-          </a:p>
-          <a:p>
-            <a:pPr lvl="2"/>
-            <a:r>
-              <a:rPr lang="en-US" dirty="0"/>
-              <a:t>Header pins</a:t>
-            </a:r>
-            <a:r>
-              <a:rPr lang="en-US" dirty="0" smtClean="0"/>
-              <a:t>,</a:t>
-            </a:r>
-            <a:r>
-              <a:rPr lang="en-US" dirty="0"/>
-              <a:t> </a:t>
-            </a:r>
-            <a:r>
-              <a:rPr lang="en-US" dirty="0" smtClean="0"/>
-              <a:t>J</a:t>
-            </a:r>
-            <a:endParaRPr lang="en-US" dirty="0"/>
-          </a:p>
-          <a:p>
-            <a:pPr lvl="2"/>
-            <a:r>
-              <a:rPr lang="en-US" dirty="0"/>
-              <a:t>Jacks &amp; </a:t>
-            </a:r>
-            <a:r>
-              <a:rPr lang="en-US" dirty="0" err="1"/>
-              <a:t>Plugs</a:t>
-            </a:r>
-            <a:r>
-              <a:rPr lang="en-US" dirty="0" err="1" smtClean="0"/>
-              <a:t>,J</a:t>
-            </a:r>
-            <a:endParaRPr lang="en-US" dirty="0"/>
-          </a:p>
-          <a:p>
-            <a:pPr lvl="2"/>
-            <a:r>
-              <a:rPr lang="en-US" dirty="0" err="1"/>
-              <a:t>Switches</a:t>
-            </a:r>
-            <a:r>
-              <a:rPr lang="en-US" dirty="0" err="1" smtClean="0"/>
-              <a:t>,S</a:t>
-            </a:r>
-            <a:endParaRPr lang="en-US" dirty="0" smtClean="0"/>
-          </a:p>
-          <a:p>
-            <a:r>
-              <a:rPr lang="en-US" dirty="0" smtClean="0">
-                <a:solidFill>
-                  <a:srgbClr val="FF0000"/>
-                </a:solidFill>
-              </a:rPr>
-              <a:t>Does it pass </a:t>
-            </a:r>
-            <a:r>
-              <a:rPr lang="en-US" dirty="0" err="1" smtClean="0">
-                <a:solidFill>
-                  <a:srgbClr val="FF0000"/>
-                </a:solidFill>
-              </a:rPr>
-              <a:t>EagleLint</a:t>
-            </a:r>
-            <a:r>
-              <a:rPr lang="en-US" dirty="0" smtClean="0">
-                <a:solidFill>
-                  <a:srgbClr val="FF0000"/>
-                </a:solidFill>
-              </a:rPr>
-              <a:t>?</a:t>
-            </a:r>
           </a:p>
         </p:txBody>
       </p:sp>
@@ -4747,13 +4644,6 @@
   <p:clrMapOvr>
     <a:masterClrMapping/>
   </p:clrMapOvr>
-  <p:timing>
-    <p:tnLst>
-      <p:par>
-        <p:cTn xmlns:p14="http://schemas.microsoft.com/office/powerpoint/2010/main" id="1" dur="indefinite" restart="never" nodeType="tmRoot"/>
-      </p:par>
-    </p:tnLst>
-  </p:timing>
 </p:sld>
 </file>
 
@@ -4792,19 +4682,19 @@
           <a:lstStyle/>
           <a:p>
             <a:r>
-              <a:rPr lang="en-US" dirty="0" smtClean="0"/>
+              <a:rPr lang="en-US" dirty="0"/>
               <a:t>Design</a:t>
             </a:r>
             <a:r>
-              <a:rPr lang="en-US" baseline="0" dirty="0" smtClean="0"/>
+              <a:rPr lang="en-US" baseline="0" dirty="0"/>
               <a:t> Review Checklist for Packages/Devices/Symbols (</a:t>
             </a:r>
             <a:r>
-              <a:rPr lang="en-US" baseline="0" dirty="0" err="1" smtClean="0"/>
+              <a:rPr lang="en-US" baseline="0" dirty="0" err="1"/>
               <a:t>cont</a:t>
             </a:r>
             <a:r>
-              <a:rPr lang="en-US" baseline="0" dirty="0" smtClean="0"/>
+              <a:rPr lang="en-US" baseline="0" dirty="0"/>
               <a:t>)</a:t>
             </a:r>
             <a:endParaRPr lang="en-US" dirty="0"/>
@@ -4824,12 +4714,12 @@
         <p:spPr/>
         <p:txBody>
           <a:bodyPr numCol="2">
-            <a:normAutofit lnSpcReduction="10000"/>
+            <a:normAutofit/>
           </a:bodyPr>
           <a:lstStyle/>
           <a:p>
             <a:r>
-              <a:rPr lang="en-US" dirty="0" smtClean="0">
+              <a:rPr lang="en-US" dirty="0">
                 <a:solidFill>
                   <a:srgbClr val="FF0000"/>
                 </a:solidFill>
@@ -4840,45 +4730,19 @@
           <a:p>
             <a:pPr lvl="1"/>
             <a:r>
-              <a:rPr lang="en-US" dirty="0" smtClean="0"/>
-              <a:t>Is the symbol a reasonable size? (big enough to accommodate the pins and the name, etc., but not too much bigger)</a:t>
-            </a:r>
-          </a:p>
-          <a:p>
-            <a:pPr lvl="1"/>
-            <a:r>
-              <a:rPr lang="en-US" dirty="0" smtClean="0"/>
-              <a:t>Are the pins arranged in a sensible fashion?</a:t>
-            </a:r>
-          </a:p>
-          <a:p>
-            <a:pPr lvl="1"/>
-            <a:r>
-              <a:rPr lang="en-US" dirty="0" smtClean="0"/>
-              <a:t>Are the pins placed aligned on a 0.1” (2.54mm) grid?</a:t>
-            </a:r>
-          </a:p>
-          <a:p>
-            <a:r>
-              <a:rPr lang="en-US" dirty="0" smtClean="0">
+              <a:rPr lang="en-US" dirty="0"/>
+              <a:t>Is the symbol a reasonable size?</a:t>
+            </a:r>
+          </a:p>
+          <a:p>
+            <a:r>
+              <a:rPr lang="en-US" dirty="0">
                 <a:solidFill>
                   <a:srgbClr val="FF0000"/>
                 </a:solidFill>
               </a:rPr>
-              <a:t>Device</a:t>
-            </a:r>
-          </a:p>
-          <a:p>
-            <a:pPr lvl="1"/>
-            <a:r>
-              <a:rPr lang="en-US" dirty="0" smtClean="0"/>
-              <a:t>Does the device have the appropriate attributes?</a:t>
-            </a:r>
-            <a:endParaRPr lang="en-US" dirty="0"/>
-          </a:p>
-          <a:p>
-            <a:pPr lvl="1"/>
-            <a:endParaRPr lang="en-US" dirty="0" smtClean="0"/>
+              <a:t>Are the pins arranged in a sensible fashion?</a:t>
+            </a:r>
           </a:p>
         </p:txBody>
       </p:sp>
@@ -4892,13 +4756,6 @@
   <p:clrMapOvr>
     <a:masterClrMapping/>
   </p:clrMapOvr>
-  <p:timing>
-    <p:tnLst>
-      <p:par>
-        <p:cTn xmlns:p14="http://schemas.microsoft.com/office/powerpoint/2010/main" id="1" dur="indefinite" restart="never" nodeType="tmRoot"/>
-      </p:par>
-    </p:tnLst>
-  </p:timing>
 </p:sld>
 </file>
 
@@ -4935,11 +4792,11 @@
           <a:lstStyle/>
           <a:p>
             <a:r>
-              <a:rPr lang="en-US" dirty="0" smtClean="0"/>
+              <a:rPr lang="en-US" dirty="0"/>
               <a:t>Design</a:t>
             </a:r>
             <a:r>
-              <a:rPr lang="en-US" baseline="0" dirty="0" smtClean="0"/>
+              <a:rPr lang="en-US" baseline="0" dirty="0"/>
               <a:t> Reviews for Schematics</a:t>
             </a:r>
             <a:endParaRPr lang="en-US" dirty="0"/>
@@ -4965,21 +4822,21 @@
           <a:p>
             <a:pPr lvl="0"/>
             <a:r>
-              <a:rPr lang="en-US" dirty="0" smtClean="0"/>
+              <a:rPr lang="en-US" dirty="0"/>
               <a:t>You are all building the same design, so you should be very familiar with what the other team’s design will do</a:t>
             </a:r>
           </a:p>
           <a:p>
             <a:pPr lvl="0"/>
             <a:r>
-              <a:rPr lang="en-US" dirty="0" smtClean="0"/>
+              <a:rPr lang="en-US" dirty="0"/>
               <a:t>It is not enough to look it over say it looks basically correct.</a:t>
             </a:r>
           </a:p>
           <a:p>
             <a:pPr lvl="0"/>
             <a:r>
-              <a:rPr lang="en-US" dirty="0" smtClean="0"/>
+              <a:rPr lang="en-US" dirty="0"/>
               <a:t>You need to check EVERYTHING!</a:t>
             </a:r>
           </a:p>
@@ -5047,13 +4904,6 @@
   <p:clrMapOvr>
     <a:masterClrMapping/>
   </p:clrMapOvr>
-  <p:timing>
-    <p:tnLst>
-      <p:par>
-        <p:cTn xmlns:p14="http://schemas.microsoft.com/office/powerpoint/2010/main" id="1" dur="indefinite" restart="never" nodeType="tmRoot"/>
-      </p:par>
-    </p:tnLst>
-  </p:timing>
 </p:sld>
 </file>
 
@@ -5092,11 +4942,11 @@
           <a:lstStyle/>
           <a:p>
             <a:r>
-              <a:rPr lang="en-US" dirty="0" smtClean="0"/>
+              <a:rPr lang="en-US" dirty="0"/>
               <a:t>Design Review</a:t>
             </a:r>
             <a:r>
-              <a:rPr lang="en-US" baseline="0" dirty="0" smtClean="0"/>
+              <a:rPr lang="en-US" baseline="0" dirty="0"/>
               <a:t> Checklist for Schematics</a:t>
             </a:r>
             <a:endParaRPr lang="en-US" dirty="0"/>
@@ -5116,12 +4966,12 @@
         <p:spPr/>
         <p:txBody>
           <a:bodyPr numCol="2">
-            <a:normAutofit fontScale="62500" lnSpcReduction="20000"/>
+            <a:normAutofit fontScale="70000" lnSpcReduction="20000"/>
           </a:bodyPr>
           <a:lstStyle/>
           <a:p>
             <a:r>
-              <a:rPr lang="en-US" dirty="0" smtClean="0">
+              <a:rPr lang="en-US" dirty="0">
                 <a:solidFill>
                   <a:srgbClr val="FF0000"/>
                 </a:solidFill>
@@ -5132,20 +4982,20 @@
           <a:p>
             <a:pPr lvl="1"/>
             <a:r>
-              <a:rPr lang="en-US" dirty="0" smtClean="0"/>
+              <a:rPr lang="en-US" dirty="0"/>
               <a:t>Are all the names and values visible?</a:t>
             </a:r>
           </a:p>
           <a:p>
             <a:pPr lvl="1"/>
             <a:r>
-              <a:rPr lang="en-US" dirty="0" smtClean="0"/>
+              <a:rPr lang="en-US" dirty="0"/>
               <a:t>Is the schematic laid out nicely?  Is it organized?</a:t>
             </a:r>
           </a:p>
           <a:p>
             <a:r>
-              <a:rPr lang="en-US" dirty="0" smtClean="0">
+              <a:rPr lang="en-US" dirty="0">
                 <a:solidFill>
                   <a:srgbClr val="FF0000"/>
                 </a:solidFill>
@@ -5156,58 +5006,53 @@
           <a:p>
             <a:pPr lvl="1"/>
             <a:r>
-              <a:rPr lang="en-US" dirty="0" smtClean="0"/>
+              <a:rPr lang="en-US" dirty="0"/>
               <a:t>Are all non-connected nets labeled?</a:t>
             </a:r>
           </a:p>
           <a:p>
             <a:pPr lvl="1"/>
             <a:r>
-              <a:rPr lang="en-US" dirty="0" smtClean="0"/>
+              <a:rPr lang="en-US" dirty="0"/>
               <a:t>Are all pins on all parts connected?  If not,</a:t>
             </a:r>
             <a:r>
-              <a:rPr lang="en-US" baseline="0" dirty="0" smtClean="0"/>
+              <a:rPr lang="en-US" baseline="0" dirty="0"/>
               <a:t> why?</a:t>
             </a:r>
           </a:p>
           <a:p>
             <a:pPr lvl="1"/>
             <a:r>
-              <a:rPr lang="en-US" dirty="0" smtClean="0"/>
-              <a:t>Are all the grounds connected? Is there only one </a:t>
-            </a:r>
-            <a:r>
-              <a:rPr lang="en-US" dirty="0" smtClean="0"/>
-              <a:t>BAT_GND ground net and one GND net?</a:t>
-            </a:r>
-            <a:endParaRPr lang="en-US" dirty="0" smtClean="0"/>
+              <a:rPr lang="en-US" dirty="0"/>
+              <a:t>Are all the grounds connected? Is there only one BAT_GND ground net and one GND net?</a:t>
+            </a:r>
           </a:p>
           <a:p>
             <a:pPr lvl="1"/>
             <a:r>
-              <a:rPr lang="en-US" dirty="0" smtClean="0"/>
+              <a:rPr lang="en-US" dirty="0"/>
               <a:t>Is each power pin attached to the right power supply?</a:t>
             </a:r>
           </a:p>
           <a:p>
             <a:pPr lvl="1"/>
             <a:r>
-              <a:rPr lang="en-US" dirty="0" smtClean="0"/>
+              <a:rPr lang="en-US" dirty="0"/>
               <a:t>Is each ground pin attached to right ground?</a:t>
             </a:r>
           </a:p>
           <a:p>
             <a:pPr lvl="1"/>
             <a:r>
-              <a:rPr lang="en-US" baseline="0" dirty="0" smtClean="0"/>
+              <a:rPr lang="en-US" baseline="0" dirty="0"/>
               <a:t>Are all the pins actually connected?  Or do they just look connected? (drag parts around to see)</a:t>
             </a:r>
           </a:p>
           <a:p>
             <a:pPr lvl="0"/>
             <a:r>
-              <a:rPr lang="en-US" baseline="0" dirty="0" smtClean="0">
+              <a:rPr lang="en-US" baseline="0" dirty="0">
                 <a:solidFill>
                   <a:srgbClr val="FF0000"/>
                 </a:solidFill>
@@ -5219,85 +5064,22 @@
             <a:pPr lvl="1"/>
             <a:r>
               <a:rPr lang="en-US" dirty="0"/>
-              <a:t>Does the schematic do what it’s supposed to</a:t>
-            </a:r>
-            <a:r>
-              <a:rPr lang="en-US" dirty="0" smtClean="0"/>
-              <a:t>?</a:t>
+              <a:t>Does the schematic do what it’s supposed to?</a:t>
             </a:r>
           </a:p>
           <a:p>
             <a:pPr lvl="1"/>
             <a:r>
-              <a:rPr lang="en-US" baseline="0" dirty="0" smtClean="0"/>
+              <a:rPr lang="en-US" baseline="0" dirty="0"/>
               <a:t>Why was the value of each resistors and cap chosen?</a:t>
             </a:r>
           </a:p>
           <a:p>
             <a:pPr lvl="1"/>
             <a:r>
-              <a:rPr lang="en-US" dirty="0" smtClean="0"/>
+              <a:rPr lang="en-US" dirty="0"/>
               <a:t>Are the decoupling caps the right size?</a:t>
             </a:r>
-          </a:p>
-          <a:p>
-            <a:r>
-              <a:rPr lang="en-US" dirty="0" smtClean="0">
-                <a:solidFill>
-                  <a:srgbClr val="FF0000"/>
-                </a:solidFill>
-              </a:rPr>
-              <a:t>Have all the devices been through proper design reviews</a:t>
-            </a:r>
-            <a:r>
-              <a:rPr lang="en-US" dirty="0" smtClean="0">
-                <a:solidFill>
-                  <a:srgbClr val="FF0000"/>
-                </a:solidFill>
-              </a:rPr>
-              <a:t>?</a:t>
-            </a:r>
-          </a:p>
-          <a:p>
-            <a:r>
-              <a:rPr lang="en-US" dirty="0" smtClean="0">
-                <a:solidFill>
-                  <a:srgbClr val="FF0000"/>
-                </a:solidFill>
-              </a:rPr>
-              <a:t>Are the libraries in the schematic up to date?</a:t>
-            </a:r>
-          </a:p>
-          <a:p>
-            <a:r>
-              <a:rPr lang="en-US" dirty="0" smtClean="0">
-                <a:solidFill>
-                  <a:srgbClr val="FF0000"/>
-                </a:solidFill>
-              </a:rPr>
-              <a:t>Does it pass </a:t>
-            </a:r>
-            <a:r>
-              <a:rPr lang="en-US" dirty="0" err="1" smtClean="0">
-                <a:solidFill>
-                  <a:srgbClr val="FF0000"/>
-                </a:solidFill>
-              </a:rPr>
-              <a:t>eaglelint</a:t>
-            </a:r>
-            <a:r>
-              <a:rPr lang="en-US">
-                <a:solidFill>
-                  <a:srgbClr val="FF0000"/>
-                </a:solidFill>
-              </a:rPr>
-              <a:t>?</a:t>
-            </a:r>
-            <a:endParaRPr lang="en-US" dirty="0" smtClean="0">
-              <a:solidFill>
-                <a:srgbClr val="FF0000"/>
-              </a:solidFill>
-            </a:endParaRPr>
           </a:p>
         </p:txBody>
       </p:sp>
@@ -5311,13 +5093,6 @@
   <p:clrMapOvr>
     <a:masterClrMapping/>
   </p:clrMapOvr>
-  <p:timing>
-    <p:tnLst>
-      <p:par>
-        <p:cTn xmlns:p14="http://schemas.microsoft.com/office/powerpoint/2010/main" id="1" dur="indefinite" restart="never" nodeType="tmRoot"/>
-      </p:par>
-    </p:tnLst>
-  </p:timing>
 </p:sld>
 </file>
 

--- a/Lecture Slides/05-Design Reviews.pptx
+++ b/Lecture Slides/05-Design Reviews.pptx
@@ -560,6 +560,90 @@
         </p:txBody>
       </p:sp>
     </p:spTree>
+  </p:cSld>
+  <p:clrMapOvr>
+    <a:masterClrMapping/>
+  </p:clrMapOvr>
+</p:notes>
+</file>
+
+<file path=ppt/notesSlides/notesSlide2.xml><?xml version="1.0" encoding="utf-8"?>
+<p:notes xmlns:a="http://schemas.openxmlformats.org/drawingml/2006/main" xmlns:r="http://schemas.openxmlformats.org/officeDocument/2006/relationships" xmlns:p="http://schemas.openxmlformats.org/presentationml/2006/main">
+  <p:cSld>
+    <p:spTree>
+      <p:nvGrpSpPr>
+        <p:cNvPr id="1" name=""/>
+        <p:cNvGrpSpPr/>
+        <p:nvPr/>
+      </p:nvGrpSpPr>
+      <p:grpSpPr>
+        <a:xfrm>
+          <a:off x="0" y="0"/>
+          <a:ext cx="0" cy="0"/>
+          <a:chOff x="0" y="0"/>
+          <a:chExt cx="0" cy="0"/>
+        </a:xfrm>
+      </p:grpSpPr>
+      <p:sp>
+        <p:nvSpPr>
+          <p:cNvPr id="2" name="Slide Image Placeholder 1"/>
+          <p:cNvSpPr>
+            <a:spLocks noGrp="1" noRot="1" noChangeAspect="1"/>
+          </p:cNvSpPr>
+          <p:nvPr>
+            <p:ph type="sldImg"/>
+          </p:nvPr>
+        </p:nvSpPr>
+        <p:spPr/>
+      </p:sp>
+      <p:sp>
+        <p:nvSpPr>
+          <p:cNvPr id="3" name="Notes Placeholder 2"/>
+          <p:cNvSpPr>
+            <a:spLocks noGrp="1"/>
+          </p:cNvSpPr>
+          <p:nvPr>
+            <p:ph type="body" idx="1"/>
+          </p:nvPr>
+        </p:nvSpPr>
+        <p:spPr/>
+        <p:txBody>
+          <a:bodyPr/>
+          <a:lstStyle/>
+          <a:p>
+            <a:endParaRPr lang="en-US"/>
+          </a:p>
+        </p:txBody>
+      </p:sp>
+      <p:sp>
+        <p:nvSpPr>
+          <p:cNvPr id="4" name="Slide Number Placeholder 3"/>
+          <p:cNvSpPr>
+            <a:spLocks noGrp="1"/>
+          </p:cNvSpPr>
+          <p:nvPr>
+            <p:ph type="sldNum" sz="quarter" idx="10"/>
+          </p:nvPr>
+        </p:nvSpPr>
+        <p:spPr/>
+        <p:txBody>
+          <a:bodyPr/>
+          <a:lstStyle/>
+          <a:p>
+            <a:fld id="{EE585028-07DD-2948-8356-00D99A91F51D}" type="slidenum">
+              <a:rPr lang="en-US" smtClean="0"/>
+              <a:t>10</a:t>
+            </a:fld>
+            <a:endParaRPr lang="en-US"/>
+          </a:p>
+        </p:txBody>
+      </p:sp>
+    </p:spTree>
+    <p:extLst>
+      <p:ext uri="{BB962C8B-B14F-4D97-AF65-F5344CB8AC3E}">
+        <p14:creationId xmlns:p14="http://schemas.microsoft.com/office/powerpoint/2010/main" val="1878311194"/>
+      </p:ext>
+    </p:extLst>
   </p:cSld>
   <p:clrMapOvr>
     <a:masterClrMapping/>
@@ -3708,11 +3792,7 @@
             <a:pPr lvl="1"/>
             <a:r>
               <a:rPr lang="en-US" dirty="0"/>
-              <a:t>If we find a bug later that you should have caught, you </a:t>
-            </a:r>
-            <a:r>
-              <a:rPr lang="en-US"/>
-              <a:t>are responsible.</a:t>
+              <a:t>If we find a bug later that you should have caught, you are responsible.</a:t>
             </a:r>
           </a:p>
         </p:txBody>
@@ -3892,20 +3972,13 @@
         <p:spPr/>
         <p:txBody>
           <a:bodyPr>
-            <a:normAutofit fontScale="92500" lnSpcReduction="10000"/>
+            <a:normAutofit fontScale="92500"/>
           </a:bodyPr>
           <a:lstStyle/>
           <a:p>
             <a:r>
               <a:rPr lang="en-US" dirty="0"/>
               <a:t>Every device in our library and every schematic will be reviewed by one other person</a:t>
-            </a:r>
-          </a:p>
-          <a:p>
-            <a:pPr lvl="1"/>
-            <a:r>
-              <a:rPr lang="en-US" dirty="0"/>
-              <a:t>Fill in REVIEWER attribute on the device</a:t>
             </a:r>
           </a:p>
           <a:p>
@@ -4008,7 +4081,7 @@
         <p:spPr/>
         <p:txBody>
           <a:bodyPr>
-            <a:normAutofit fontScale="85000" lnSpcReduction="20000"/>
+            <a:normAutofit fontScale="77500" lnSpcReduction="20000"/>
           </a:bodyPr>
           <a:lstStyle/>
           <a:p>
@@ -4142,7 +4215,13 @@
           <a:p>
             <a:r>
               <a:rPr lang="en-US" dirty="0"/>
-              <a:t>It is not the designer task to convince the reviewer that their design is correct.  The reviewer must convince themselves, one way or the other.</a:t>
+              <a:t>It is not the designer task to convince the reviewer that their design is correct.  </a:t>
+            </a:r>
+          </a:p>
+          <a:p>
+            <a:r>
+              <a:rPr lang="en-US" dirty="0"/>
+              <a:t>The reviewer must convince themselves, one way or the other.</a:t>
             </a:r>
           </a:p>
           <a:p>
@@ -4406,6 +4485,13 @@
             <a:r>
               <a:rPr lang="en-US" dirty="0"/>
               <a:t>?</a:t>
+            </a:r>
+          </a:p>
+          <a:p>
+            <a:pPr lvl="1"/>
+            <a:r>
+              <a:rPr lang="en-US" dirty="0"/>
+              <a:t>The right part number?</a:t>
             </a:r>
           </a:p>
           <a:p>
